--- a/GUI.pptx
+++ b/GUI.pptx
@@ -8,6 +8,7 @@
     <p:sldId id="257" r:id="rId2"/>
     <p:sldId id="256" r:id="rId3"/>
     <p:sldId id="258" r:id="rId4"/>
+    <p:sldId id="259" r:id="rId5"/>
   </p:sldIdLst>
   <p:sldSz cx="12192000" cy="6858000"/>
   <p:notesSz cx="6858000" cy="9144000"/>
@@ -122,6 +123,11 @@
         <p14:section name="Menu" id="{E48F0FB0-A754-4DDD-8119-27095890F14B}">
           <p14:sldIdLst>
             <p14:sldId id="258"/>
+          </p14:sldIdLst>
+        </p14:section>
+        <p14:section name="Report" id="{3EC63A33-FB06-43E6-BEB9-6BF85AB415C1}">
+          <p14:sldIdLst>
+            <p14:sldId id="259"/>
           </p14:sldIdLst>
         </p14:section>
       </p14:sectionLst>
@@ -3294,6 +3300,30 @@
           </a:p>
         </p:txBody>
       </p:sp>
+      <p:pic>
+        <p:nvPicPr>
+          <p:cNvPr id="11" name="图片 10"/>
+          <p:cNvPicPr>
+            <a:picLocks noChangeAspect="1"/>
+          </p:cNvPicPr>
+          <p:nvPr/>
+        </p:nvPicPr>
+        <p:blipFill>
+          <a:blip r:embed="rId2"/>
+          <a:stretch>
+            <a:fillRect/>
+          </a:stretch>
+        </p:blipFill>
+        <p:spPr>
+          <a:xfrm>
+            <a:off x="426228" y="423411"/>
+            <a:ext cx="11339543" cy="6011177"/>
+          </a:xfrm>
+          <a:prstGeom prst="rect">
+            <a:avLst/>
+          </a:prstGeom>
+        </p:spPr>
+      </p:pic>
     </p:spTree>
     <p:extLst>
       <p:ext uri="{BB962C8B-B14F-4D97-AF65-F5344CB8AC3E}">
@@ -4726,6 +4756,30 @@
           </a:p>
         </p:txBody>
       </p:sp>
+      <p:pic>
+        <p:nvPicPr>
+          <p:cNvPr id="49" name="图片 48"/>
+          <p:cNvPicPr>
+            <a:picLocks noChangeAspect="1"/>
+          </p:cNvPicPr>
+          <p:nvPr/>
+        </p:nvPicPr>
+        <p:blipFill>
+          <a:blip r:embed="rId2"/>
+          <a:stretch>
+            <a:fillRect/>
+          </a:stretch>
+        </p:blipFill>
+        <p:spPr>
+          <a:xfrm>
+            <a:off x="-508223" y="736334"/>
+            <a:ext cx="11339543" cy="6005080"/>
+          </a:xfrm>
+          <a:prstGeom prst="rect">
+            <a:avLst/>
+          </a:prstGeom>
+        </p:spPr>
+      </p:pic>
     </p:spTree>
     <p:extLst>
       <p:ext uri="{BB962C8B-B14F-4D97-AF65-F5344CB8AC3E}">
@@ -4902,7 +4956,7 @@
               <a:t>Prescription </a:t>
             </a:r>
             <a:r>
-              <a:rPr lang="en-US" altLang="ko-KR" smtClean="0"/>
+              <a:rPr lang="en-US" altLang="ko-KR" dirty="0" err="1" smtClean="0"/>
               <a:t>ManageMent</a:t>
             </a:r>
             <a:endParaRPr lang="ko-KR" altLang="en-US" dirty="0"/>
@@ -5215,6 +5269,30 @@
           </a:p>
         </p:txBody>
       </p:sp>
+      <p:pic>
+        <p:nvPicPr>
+          <p:cNvPr id="9" name="图片 8"/>
+          <p:cNvPicPr>
+            <a:picLocks noChangeAspect="1"/>
+          </p:cNvPicPr>
+          <p:nvPr/>
+        </p:nvPicPr>
+        <p:blipFill>
+          <a:blip r:embed="rId2"/>
+          <a:stretch>
+            <a:fillRect/>
+          </a:stretch>
+        </p:blipFill>
+        <p:spPr>
+          <a:xfrm>
+            <a:off x="426228" y="423411"/>
+            <a:ext cx="11339543" cy="6011177"/>
+          </a:xfrm>
+          <a:prstGeom prst="rect">
+            <a:avLst/>
+          </a:prstGeom>
+        </p:spPr>
+      </p:pic>
     </p:spTree>
     <p:extLst>
       <p:ext uri="{BB962C8B-B14F-4D97-AF65-F5344CB8AC3E}">
@@ -5225,6 +5303,2555 @@
   <p:clrMapOvr>
     <a:masterClrMapping/>
   </p:clrMapOvr>
+</p:sld>
+</file>
+
+<file path=ppt/slides/slide4.xml><?xml version="1.0" encoding="utf-8"?>
+<p:sld xmlns:a="http://schemas.openxmlformats.org/drawingml/2006/main" xmlns:r="http://schemas.openxmlformats.org/officeDocument/2006/relationships" xmlns:p="http://schemas.openxmlformats.org/presentationml/2006/main">
+  <p:cSld>
+    <p:spTree>
+      <p:nvGrpSpPr>
+        <p:cNvPr id="1" name=""/>
+        <p:cNvGrpSpPr/>
+        <p:nvPr/>
+      </p:nvGrpSpPr>
+      <p:grpSpPr>
+        <a:xfrm>
+          <a:off x="0" y="0"/>
+          <a:ext cx="0" cy="0"/>
+          <a:chOff x="0" y="0"/>
+          <a:chExt cx="0" cy="0"/>
+        </a:xfrm>
+      </p:grpSpPr>
+      <p:grpSp>
+        <p:nvGrpSpPr>
+          <p:cNvPr id="10" name="组合 9"/>
+          <p:cNvGrpSpPr/>
+          <p:nvPr/>
+        </p:nvGrpSpPr>
+        <p:grpSpPr>
+          <a:xfrm>
+            <a:off x="1857674" y="125128"/>
+            <a:ext cx="11767891" cy="6400800"/>
+            <a:chOff x="1857675" y="125128"/>
+            <a:chExt cx="5524902" cy="6400800"/>
+          </a:xfrm>
+        </p:grpSpPr>
+        <p:sp>
+          <p:nvSpPr>
+            <p:cNvPr id="4" name="矩形 3"/>
+            <p:cNvSpPr/>
+            <p:nvPr/>
+          </p:nvSpPr>
+          <p:spPr>
+            <a:xfrm>
+              <a:off x="1857676" y="125128"/>
+              <a:ext cx="5524901" cy="6400800"/>
+            </a:xfrm>
+            <a:prstGeom prst="rect">
+              <a:avLst/>
+            </a:prstGeom>
+          </p:spPr>
+          <p:style>
+            <a:lnRef idx="2">
+              <a:schemeClr val="dk1"/>
+            </a:lnRef>
+            <a:fillRef idx="1">
+              <a:schemeClr val="lt1"/>
+            </a:fillRef>
+            <a:effectRef idx="0">
+              <a:schemeClr val="dk1"/>
+            </a:effectRef>
+            <a:fontRef idx="minor">
+              <a:schemeClr val="dk1"/>
+            </a:fontRef>
+          </p:style>
+          <p:txBody>
+            <a:bodyPr rtlCol="0" anchor="ctr"/>
+            <a:lstStyle/>
+            <a:p>
+              <a:pPr algn="ctr"/>
+              <a:endParaRPr lang="ko-KR" altLang="en-US" dirty="0"/>
+            </a:p>
+          </p:txBody>
+        </p:sp>
+        <p:sp>
+          <p:nvSpPr>
+            <p:cNvPr id="5" name="文本框 4"/>
+            <p:cNvSpPr txBox="1"/>
+            <p:nvPr/>
+          </p:nvSpPr>
+          <p:spPr>
+            <a:xfrm>
+              <a:off x="5034918" y="5399773"/>
+              <a:ext cx="1856769" cy="369332"/>
+            </a:xfrm>
+            <a:prstGeom prst="rect">
+              <a:avLst/>
+            </a:prstGeom>
+            <a:noFill/>
+          </p:spPr>
+          <p:txBody>
+            <a:bodyPr wrap="square" rtlCol="0">
+              <a:spAutoFit/>
+            </a:bodyPr>
+            <a:lstStyle/>
+            <a:p>
+              <a:r>
+                <a:rPr lang="en-US" altLang="ko-KR" dirty="0" smtClean="0"/>
+                <a:t>Doctor Name:</a:t>
+              </a:r>
+              <a:endParaRPr lang="ko-KR" altLang="en-US" dirty="0"/>
+            </a:p>
+          </p:txBody>
+        </p:sp>
+        <p:sp>
+          <p:nvSpPr>
+            <p:cNvPr id="6" name="矩形 5"/>
+            <p:cNvSpPr/>
+            <p:nvPr/>
+          </p:nvSpPr>
+          <p:spPr>
+            <a:xfrm>
+              <a:off x="1857675" y="1405288"/>
+              <a:ext cx="5524901" cy="45719"/>
+            </a:xfrm>
+            <a:prstGeom prst="rect">
+              <a:avLst/>
+            </a:prstGeom>
+          </p:spPr>
+          <p:style>
+            <a:lnRef idx="2">
+              <a:schemeClr val="accent1">
+                <a:shade val="50000"/>
+              </a:schemeClr>
+            </a:lnRef>
+            <a:fillRef idx="1">
+              <a:schemeClr val="accent1"/>
+            </a:fillRef>
+            <a:effectRef idx="0">
+              <a:schemeClr val="accent1"/>
+            </a:effectRef>
+            <a:fontRef idx="minor">
+              <a:schemeClr val="lt1"/>
+            </a:fontRef>
+          </p:style>
+          <p:txBody>
+            <a:bodyPr rtlCol="0" anchor="ctr"/>
+            <a:lstStyle/>
+            <a:p>
+              <a:pPr algn="ctr"/>
+              <a:endParaRPr lang="ko-KR" altLang="en-US"/>
+            </a:p>
+          </p:txBody>
+        </p:sp>
+        <p:sp>
+          <p:nvSpPr>
+            <p:cNvPr id="7" name="矩形 6"/>
+            <p:cNvSpPr/>
+            <p:nvPr/>
+          </p:nvSpPr>
+          <p:spPr>
+            <a:xfrm>
+              <a:off x="1857675" y="5167162"/>
+              <a:ext cx="5524901" cy="45719"/>
+            </a:xfrm>
+            <a:prstGeom prst="rect">
+              <a:avLst/>
+            </a:prstGeom>
+          </p:spPr>
+          <p:style>
+            <a:lnRef idx="2">
+              <a:schemeClr val="accent1">
+                <a:shade val="50000"/>
+              </a:schemeClr>
+            </a:lnRef>
+            <a:fillRef idx="1">
+              <a:schemeClr val="accent1"/>
+            </a:fillRef>
+            <a:effectRef idx="0">
+              <a:schemeClr val="accent1"/>
+            </a:effectRef>
+            <a:fontRef idx="minor">
+              <a:schemeClr val="lt1"/>
+            </a:fontRef>
+          </p:style>
+          <p:txBody>
+            <a:bodyPr rtlCol="0" anchor="ctr"/>
+            <a:lstStyle/>
+            <a:p>
+              <a:pPr algn="ctr"/>
+              <a:endParaRPr lang="ko-KR" altLang="en-US"/>
+            </a:p>
+          </p:txBody>
+        </p:sp>
+        <p:sp>
+          <p:nvSpPr>
+            <p:cNvPr id="8" name="文本框 7"/>
+            <p:cNvSpPr txBox="1"/>
+            <p:nvPr/>
+          </p:nvSpPr>
+          <p:spPr>
+            <a:xfrm>
+              <a:off x="5544151" y="6013746"/>
+              <a:ext cx="1347535" cy="369332"/>
+            </a:xfrm>
+            <a:prstGeom prst="rect">
+              <a:avLst/>
+            </a:prstGeom>
+            <a:noFill/>
+          </p:spPr>
+          <p:txBody>
+            <a:bodyPr wrap="square" rtlCol="0">
+              <a:spAutoFit/>
+            </a:bodyPr>
+            <a:lstStyle/>
+            <a:p>
+              <a:r>
+                <a:rPr lang="en-US" altLang="ko-KR" dirty="0" smtClean="0"/>
+                <a:t>Date:</a:t>
+              </a:r>
+              <a:endParaRPr lang="ko-KR" altLang="en-US" dirty="0"/>
+            </a:p>
+          </p:txBody>
+        </p:sp>
+        <p:sp>
+          <p:nvSpPr>
+            <p:cNvPr id="9" name="文本框 8"/>
+            <p:cNvSpPr txBox="1"/>
+            <p:nvPr/>
+          </p:nvSpPr>
+          <p:spPr>
+            <a:xfrm>
+              <a:off x="1862489" y="211210"/>
+              <a:ext cx="2271562" cy="369332"/>
+            </a:xfrm>
+            <a:prstGeom prst="rect">
+              <a:avLst/>
+            </a:prstGeom>
+            <a:noFill/>
+          </p:spPr>
+          <p:txBody>
+            <a:bodyPr wrap="square" rtlCol="0">
+              <a:spAutoFit/>
+            </a:bodyPr>
+            <a:lstStyle/>
+            <a:p>
+              <a:r>
+                <a:rPr lang="en-US" altLang="ko-KR" b="1" dirty="0" smtClean="0"/>
+                <a:t>---------Patient Info----------</a:t>
+              </a:r>
+              <a:endParaRPr lang="ko-KR" altLang="en-US" b="1" dirty="0"/>
+            </a:p>
+          </p:txBody>
+        </p:sp>
+      </p:grpSp>
+      <p:sp>
+        <p:nvSpPr>
+          <p:cNvPr id="12" name="文本框 11"/>
+          <p:cNvSpPr txBox="1"/>
+          <p:nvPr/>
+        </p:nvSpPr>
+        <p:spPr>
+          <a:xfrm>
+            <a:off x="1961951" y="580541"/>
+            <a:ext cx="858251" cy="367363"/>
+          </a:xfrm>
+          <a:prstGeom prst="rect">
+            <a:avLst/>
+          </a:prstGeom>
+          <a:noFill/>
+        </p:spPr>
+        <p:txBody>
+          <a:bodyPr wrap="square" rtlCol="0">
+            <a:spAutoFit/>
+          </a:bodyPr>
+          <a:lstStyle/>
+          <a:p>
+            <a:r>
+              <a:rPr lang="en-US" altLang="ko-KR" dirty="0" smtClean="0"/>
+              <a:t>Name:</a:t>
+            </a:r>
+            <a:endParaRPr lang="ko-KR" altLang="en-US" dirty="0"/>
+          </a:p>
+        </p:txBody>
+      </p:sp>
+      <p:sp>
+        <p:nvSpPr>
+          <p:cNvPr id="13" name="文本框 12"/>
+          <p:cNvSpPr txBox="1"/>
+          <p:nvPr/>
+        </p:nvSpPr>
+        <p:spPr>
+          <a:xfrm>
+            <a:off x="3991278" y="580540"/>
+            <a:ext cx="858251" cy="367363"/>
+          </a:xfrm>
+          <a:prstGeom prst="rect">
+            <a:avLst/>
+          </a:prstGeom>
+          <a:noFill/>
+        </p:spPr>
+        <p:txBody>
+          <a:bodyPr wrap="square" rtlCol="0">
+            <a:spAutoFit/>
+          </a:bodyPr>
+          <a:lstStyle/>
+          <a:p>
+            <a:r>
+              <a:rPr lang="en-US" altLang="ko-KR" dirty="0" smtClean="0"/>
+              <a:t>ID:</a:t>
+            </a:r>
+            <a:endParaRPr lang="ko-KR" altLang="en-US" dirty="0"/>
+          </a:p>
+        </p:txBody>
+      </p:sp>
+      <p:sp>
+        <p:nvSpPr>
+          <p:cNvPr id="14" name="文本框 13"/>
+          <p:cNvSpPr txBox="1"/>
+          <p:nvPr/>
+        </p:nvSpPr>
+        <p:spPr>
+          <a:xfrm>
+            <a:off x="5844479" y="580539"/>
+            <a:ext cx="858251" cy="367363"/>
+          </a:xfrm>
+          <a:prstGeom prst="rect">
+            <a:avLst/>
+          </a:prstGeom>
+          <a:noFill/>
+        </p:spPr>
+        <p:txBody>
+          <a:bodyPr wrap="square" rtlCol="0">
+            <a:spAutoFit/>
+          </a:bodyPr>
+          <a:lstStyle/>
+          <a:p>
+            <a:r>
+              <a:rPr lang="en-US" altLang="ko-KR" dirty="0" smtClean="0"/>
+              <a:t>Age:</a:t>
+            </a:r>
+            <a:endParaRPr lang="ko-KR" altLang="en-US" dirty="0"/>
+          </a:p>
+        </p:txBody>
+      </p:sp>
+      <p:sp>
+        <p:nvSpPr>
+          <p:cNvPr id="15" name="文本框 14"/>
+          <p:cNvSpPr txBox="1"/>
+          <p:nvPr/>
+        </p:nvSpPr>
+        <p:spPr>
+          <a:xfrm>
+            <a:off x="7436471" y="580538"/>
+            <a:ext cx="858251" cy="367363"/>
+          </a:xfrm>
+          <a:prstGeom prst="rect">
+            <a:avLst/>
+          </a:prstGeom>
+          <a:noFill/>
+        </p:spPr>
+        <p:txBody>
+          <a:bodyPr wrap="square" rtlCol="0">
+            <a:spAutoFit/>
+          </a:bodyPr>
+          <a:lstStyle/>
+          <a:p>
+            <a:r>
+              <a:rPr lang="en-US" altLang="ko-KR" dirty="0" smtClean="0"/>
+              <a:t>Sex:</a:t>
+            </a:r>
+            <a:endParaRPr lang="ko-KR" altLang="en-US" dirty="0"/>
+          </a:p>
+        </p:txBody>
+      </p:sp>
+      <p:sp>
+        <p:nvSpPr>
+          <p:cNvPr id="16" name="文本框 15"/>
+          <p:cNvSpPr txBox="1"/>
+          <p:nvPr/>
+        </p:nvSpPr>
+        <p:spPr>
+          <a:xfrm>
+            <a:off x="1961951" y="947901"/>
+            <a:ext cx="2029325" cy="369332"/>
+          </a:xfrm>
+          <a:prstGeom prst="rect">
+            <a:avLst/>
+          </a:prstGeom>
+          <a:noFill/>
+        </p:spPr>
+        <p:txBody>
+          <a:bodyPr wrap="square" rtlCol="0">
+            <a:spAutoFit/>
+          </a:bodyPr>
+          <a:lstStyle/>
+          <a:p>
+            <a:r>
+              <a:rPr lang="en-US" altLang="ko-KR" dirty="0" smtClean="0"/>
+              <a:t>Diagnosis:</a:t>
+            </a:r>
+            <a:endParaRPr lang="ko-KR" altLang="en-US" dirty="0"/>
+          </a:p>
+        </p:txBody>
+      </p:sp>
+      <p:sp>
+        <p:nvSpPr>
+          <p:cNvPr id="18" name="文本框 17"/>
+          <p:cNvSpPr txBox="1"/>
+          <p:nvPr/>
+        </p:nvSpPr>
+        <p:spPr>
+          <a:xfrm>
+            <a:off x="2029514" y="1604424"/>
+            <a:ext cx="463588" cy="369332"/>
+          </a:xfrm>
+          <a:prstGeom prst="rect">
+            <a:avLst/>
+          </a:prstGeom>
+          <a:noFill/>
+        </p:spPr>
+        <p:txBody>
+          <a:bodyPr wrap="none" rtlCol="0">
+            <a:spAutoFit/>
+          </a:bodyPr>
+          <a:lstStyle/>
+          <a:p>
+            <a:r>
+              <a:rPr lang="en-US" altLang="ko-KR" dirty="0" err="1" smtClean="0"/>
+              <a:t>Rp</a:t>
+            </a:r>
+            <a:endParaRPr lang="ko-KR" altLang="en-US" dirty="0"/>
+          </a:p>
+        </p:txBody>
+      </p:sp>
+      <p:graphicFrame>
+        <p:nvGraphicFramePr>
+          <p:cNvPr id="19" name="表格 18"/>
+          <p:cNvGraphicFramePr>
+            <a:graphicFrameLocks noGrp="1"/>
+          </p:cNvGraphicFramePr>
+          <p:nvPr>
+            <p:extLst>
+              <p:ext uri="{D42A27DB-BD31-4B8C-83A1-F6EECF244321}">
+                <p14:modId xmlns:p14="http://schemas.microsoft.com/office/powerpoint/2010/main" val="9825151"/>
+              </p:ext>
+            </p:extLst>
+          </p:nvPr>
+        </p:nvGraphicFramePr>
+        <p:xfrm>
+          <a:off x="2157329" y="2195038"/>
+          <a:ext cx="11247171" cy="2427280"/>
+        </p:xfrm>
+        <a:graphic>
+          <a:graphicData uri="http://schemas.openxmlformats.org/drawingml/2006/table">
+            <a:tbl>
+              <a:tblPr firstRow="1" bandRow="1">
+                <a:tableStyleId>{2D5ABB26-0587-4C30-8999-92F81FD0307C}</a:tableStyleId>
+              </a:tblPr>
+              <a:tblGrid>
+                <a:gridCol w="1077829"/>
+                <a:gridCol w="1077829"/>
+                <a:gridCol w="820028"/>
+                <a:gridCol w="1010072"/>
+                <a:gridCol w="1032287"/>
+                <a:gridCol w="1292634"/>
+                <a:gridCol w="1234123"/>
+                <a:gridCol w="1234123"/>
+                <a:gridCol w="1234123"/>
+                <a:gridCol w="1234123"/>
+              </a:tblGrid>
+              <a:tr h="512600">
+                <a:tc>
+                  <a:txBody>
+                    <a:bodyPr/>
+                    <a:lstStyle/>
+                    <a:p>
+                      <a:pPr latinLnBrk="1"/>
+                      <a:endParaRPr lang="en-US" altLang="ko-KR" sz="1600" b="1" baseline="0" dirty="0" smtClean="0"/>
+                    </a:p>
+                  </a:txBody>
+                  <a:tcPr>
+                    <a:lnL w="12700" cap="flat" cmpd="sng" algn="ctr">
+                      <a:solidFill>
+                        <a:schemeClr val="tx1"/>
+                      </a:solidFill>
+                      <a:prstDash val="sysDot"/>
+                      <a:round/>
+                      <a:headEnd type="none" w="med" len="med"/>
+                      <a:tailEnd type="none" w="med" len="med"/>
+                    </a:lnL>
+                    <a:lnR w="12700" cap="flat" cmpd="sng" algn="ctr">
+                      <a:solidFill>
+                        <a:schemeClr val="tx1"/>
+                      </a:solidFill>
+                      <a:prstDash val="sysDot"/>
+                      <a:round/>
+                      <a:headEnd type="none" w="med" len="med"/>
+                      <a:tailEnd type="none" w="med" len="med"/>
+                    </a:lnR>
+                    <a:lnT w="12700" cap="flat" cmpd="sng" algn="ctr">
+                      <a:solidFill>
+                        <a:schemeClr val="tx1"/>
+                      </a:solidFill>
+                      <a:prstDash val="sysDot"/>
+                      <a:round/>
+                      <a:headEnd type="none" w="med" len="med"/>
+                      <a:tailEnd type="none" w="med" len="med"/>
+                    </a:lnT>
+                    <a:lnB w="12700" cap="flat" cmpd="sng" algn="ctr">
+                      <a:solidFill>
+                        <a:schemeClr val="tx1"/>
+                      </a:solidFill>
+                      <a:prstDash val="sysDot"/>
+                      <a:round/>
+                      <a:headEnd type="none" w="med" len="med"/>
+                      <a:tailEnd type="none" w="med" len="med"/>
+                    </a:lnB>
+                  </a:tcPr>
+                </a:tc>
+                <a:tc>
+                  <a:txBody>
+                    <a:bodyPr/>
+                    <a:lstStyle/>
+                    <a:p>
+                      <a:pPr latinLnBrk="1"/>
+                      <a:r>
+                        <a:rPr lang="en-US" altLang="ko-KR" sz="1600" b="1" baseline="0" dirty="0" smtClean="0"/>
+                        <a:t>Name</a:t>
+                      </a:r>
+                    </a:p>
+                  </a:txBody>
+                  <a:tcPr>
+                    <a:lnL w="12700" cap="flat" cmpd="sng" algn="ctr">
+                      <a:solidFill>
+                        <a:schemeClr val="tx1"/>
+                      </a:solidFill>
+                      <a:prstDash val="sysDot"/>
+                      <a:round/>
+                      <a:headEnd type="none" w="med" len="med"/>
+                      <a:tailEnd type="none" w="med" len="med"/>
+                    </a:lnL>
+                    <a:lnR w="12700" cap="flat" cmpd="sng" algn="ctr">
+                      <a:solidFill>
+                        <a:schemeClr val="tx1"/>
+                      </a:solidFill>
+                      <a:prstDash val="sysDot"/>
+                      <a:round/>
+                      <a:headEnd type="none" w="med" len="med"/>
+                      <a:tailEnd type="none" w="med" len="med"/>
+                    </a:lnR>
+                    <a:lnT w="12700" cap="flat" cmpd="sng" algn="ctr">
+                      <a:solidFill>
+                        <a:schemeClr val="tx1"/>
+                      </a:solidFill>
+                      <a:prstDash val="sysDot"/>
+                      <a:round/>
+                      <a:headEnd type="none" w="med" len="med"/>
+                      <a:tailEnd type="none" w="med" len="med"/>
+                    </a:lnT>
+                    <a:lnB w="12700" cap="flat" cmpd="sng" algn="ctr">
+                      <a:solidFill>
+                        <a:schemeClr val="tx1"/>
+                      </a:solidFill>
+                      <a:prstDash val="sysDot"/>
+                      <a:round/>
+                      <a:headEnd type="none" w="med" len="med"/>
+                      <a:tailEnd type="none" w="med" len="med"/>
+                    </a:lnB>
+                  </a:tcPr>
+                </a:tc>
+                <a:tc>
+                  <a:txBody>
+                    <a:bodyPr/>
+                    <a:lstStyle/>
+                    <a:p>
+                      <a:pPr latinLnBrk="1"/>
+                      <a:r>
+                        <a:rPr lang="en-US" altLang="ko-KR" sz="1600" b="1" baseline="0" dirty="0" smtClean="0"/>
+                        <a:t>Usage</a:t>
+                      </a:r>
+                    </a:p>
+                  </a:txBody>
+                  <a:tcPr>
+                    <a:lnL w="12700" cap="flat" cmpd="sng" algn="ctr">
+                      <a:solidFill>
+                        <a:schemeClr val="tx1"/>
+                      </a:solidFill>
+                      <a:prstDash val="sysDot"/>
+                      <a:round/>
+                      <a:headEnd type="none" w="med" len="med"/>
+                      <a:tailEnd type="none" w="med" len="med"/>
+                    </a:lnL>
+                    <a:lnR w="12700" cap="flat" cmpd="sng" algn="ctr">
+                      <a:solidFill>
+                        <a:schemeClr val="tx1"/>
+                      </a:solidFill>
+                      <a:prstDash val="sysDot"/>
+                      <a:round/>
+                      <a:headEnd type="none" w="med" len="med"/>
+                      <a:tailEnd type="none" w="med" len="med"/>
+                    </a:lnR>
+                    <a:lnT w="12700" cap="flat" cmpd="sng" algn="ctr">
+                      <a:solidFill>
+                        <a:schemeClr val="tx1"/>
+                      </a:solidFill>
+                      <a:prstDash val="sysDot"/>
+                      <a:round/>
+                      <a:headEnd type="none" w="med" len="med"/>
+                      <a:tailEnd type="none" w="med" len="med"/>
+                    </a:lnT>
+                    <a:lnB w="12700" cap="flat" cmpd="sng" algn="ctr">
+                      <a:solidFill>
+                        <a:schemeClr val="tx1"/>
+                      </a:solidFill>
+                      <a:prstDash val="sysDot"/>
+                      <a:round/>
+                      <a:headEnd type="none" w="med" len="med"/>
+                      <a:tailEnd type="none" w="med" len="med"/>
+                    </a:lnB>
+                  </a:tcPr>
+                </a:tc>
+                <a:tc>
+                  <a:txBody>
+                    <a:bodyPr/>
+                    <a:lstStyle/>
+                    <a:p>
+                      <a:pPr latinLnBrk="1"/>
+                      <a:r>
+                        <a:rPr lang="en-US" altLang="ko-KR" sz="1600" b="1" baseline="0" dirty="0" smtClean="0"/>
+                        <a:t>Time duration</a:t>
+                      </a:r>
+                    </a:p>
+                  </a:txBody>
+                  <a:tcPr>
+                    <a:lnL w="12700" cap="flat" cmpd="sng" algn="ctr">
+                      <a:solidFill>
+                        <a:schemeClr val="tx1"/>
+                      </a:solidFill>
+                      <a:prstDash val="sysDot"/>
+                      <a:round/>
+                      <a:headEnd type="none" w="med" len="med"/>
+                      <a:tailEnd type="none" w="med" len="med"/>
+                    </a:lnL>
+                    <a:lnR w="12700" cap="flat" cmpd="sng" algn="ctr">
+                      <a:solidFill>
+                        <a:schemeClr val="tx1"/>
+                      </a:solidFill>
+                      <a:prstDash val="sysDot"/>
+                      <a:round/>
+                      <a:headEnd type="none" w="med" len="med"/>
+                      <a:tailEnd type="none" w="med" len="med"/>
+                    </a:lnR>
+                    <a:lnT w="12700" cap="flat" cmpd="sng" algn="ctr">
+                      <a:solidFill>
+                        <a:schemeClr val="tx1"/>
+                      </a:solidFill>
+                      <a:prstDash val="sysDot"/>
+                      <a:round/>
+                      <a:headEnd type="none" w="med" len="med"/>
+                      <a:tailEnd type="none" w="med" len="med"/>
+                    </a:lnT>
+                    <a:lnB w="12700" cap="flat" cmpd="sng" algn="ctr">
+                      <a:solidFill>
+                        <a:schemeClr val="tx1"/>
+                      </a:solidFill>
+                      <a:prstDash val="sysDot"/>
+                      <a:round/>
+                      <a:headEnd type="none" w="med" len="med"/>
+                      <a:tailEnd type="none" w="med" len="med"/>
+                    </a:lnB>
+                  </a:tcPr>
+                </a:tc>
+                <a:tc>
+                  <a:txBody>
+                    <a:bodyPr/>
+                    <a:lstStyle/>
+                    <a:p>
+                      <a:pPr latinLnBrk="1"/>
+                      <a:r>
+                        <a:rPr lang="en-US" altLang="ko-KR" sz="1600" b="1" baseline="0" dirty="0" smtClean="0"/>
+                        <a:t>Times per day</a:t>
+                      </a:r>
+                    </a:p>
+                  </a:txBody>
+                  <a:tcPr>
+                    <a:lnL w="12700" cap="flat" cmpd="sng" algn="ctr">
+                      <a:solidFill>
+                        <a:schemeClr val="tx1"/>
+                      </a:solidFill>
+                      <a:prstDash val="sysDot"/>
+                      <a:round/>
+                      <a:headEnd type="none" w="med" len="med"/>
+                      <a:tailEnd type="none" w="med" len="med"/>
+                    </a:lnL>
+                    <a:lnR w="12700" cap="flat" cmpd="sng" algn="ctr">
+                      <a:solidFill>
+                        <a:schemeClr val="tx1"/>
+                      </a:solidFill>
+                      <a:prstDash val="sysDot"/>
+                      <a:round/>
+                      <a:headEnd type="none" w="med" len="med"/>
+                      <a:tailEnd type="none" w="med" len="med"/>
+                    </a:lnR>
+                    <a:lnT w="12700" cap="flat" cmpd="sng" algn="ctr">
+                      <a:solidFill>
+                        <a:schemeClr val="tx1"/>
+                      </a:solidFill>
+                      <a:prstDash val="sysDot"/>
+                      <a:round/>
+                      <a:headEnd type="none" w="med" len="med"/>
+                      <a:tailEnd type="none" w="med" len="med"/>
+                    </a:lnT>
+                    <a:lnB w="12700" cap="flat" cmpd="sng" algn="ctr">
+                      <a:solidFill>
+                        <a:schemeClr val="tx1"/>
+                      </a:solidFill>
+                      <a:prstDash val="sysDot"/>
+                      <a:round/>
+                      <a:headEnd type="none" w="med" len="med"/>
+                      <a:tailEnd type="none" w="med" len="med"/>
+                    </a:lnB>
+                  </a:tcPr>
+                </a:tc>
+                <a:tc>
+                  <a:txBody>
+                    <a:bodyPr/>
+                    <a:lstStyle/>
+                    <a:p>
+                      <a:r>
+                        <a:rPr lang="en-US" altLang="ko-KR" dirty="0" smtClean="0"/>
+                        <a:t>Morning</a:t>
+                      </a:r>
+                      <a:endParaRPr lang="ko-KR" altLang="en-US" dirty="0"/>
+                    </a:p>
+                  </a:txBody>
+                  <a:tcPr>
+                    <a:lnL w="12700" cap="flat" cmpd="sng" algn="ctr">
+                      <a:solidFill>
+                        <a:schemeClr val="tx1"/>
+                      </a:solidFill>
+                      <a:prstDash val="sysDot"/>
+                      <a:round/>
+                      <a:headEnd type="none" w="med" len="med"/>
+                      <a:tailEnd type="none" w="med" len="med"/>
+                    </a:lnL>
+                    <a:lnR w="12700" cap="flat" cmpd="sng" algn="ctr">
+                      <a:solidFill>
+                        <a:schemeClr val="tx1"/>
+                      </a:solidFill>
+                      <a:prstDash val="sysDot"/>
+                      <a:round/>
+                      <a:headEnd type="none" w="med" len="med"/>
+                      <a:tailEnd type="none" w="med" len="med"/>
+                    </a:lnR>
+                    <a:lnT w="12700" cap="flat" cmpd="sng" algn="ctr">
+                      <a:solidFill>
+                        <a:schemeClr val="tx1"/>
+                      </a:solidFill>
+                      <a:prstDash val="sysDot"/>
+                      <a:round/>
+                      <a:headEnd type="none" w="med" len="med"/>
+                      <a:tailEnd type="none" w="med" len="med"/>
+                    </a:lnT>
+                    <a:lnB w="12700" cap="flat" cmpd="sng" algn="ctr">
+                      <a:solidFill>
+                        <a:schemeClr val="tx1"/>
+                      </a:solidFill>
+                      <a:prstDash val="sysDot"/>
+                      <a:round/>
+                      <a:headEnd type="none" w="med" len="med"/>
+                      <a:tailEnd type="none" w="med" len="med"/>
+                    </a:lnB>
+                  </a:tcPr>
+                </a:tc>
+                <a:tc>
+                  <a:txBody>
+                    <a:bodyPr/>
+                    <a:lstStyle/>
+                    <a:p>
+                      <a:pPr latinLnBrk="1"/>
+                      <a:r>
+                        <a:rPr lang="en-US" altLang="ko-KR" sz="1600" b="1" baseline="0" dirty="0" smtClean="0"/>
+                        <a:t>Afternoon</a:t>
+                      </a:r>
+                    </a:p>
+                  </a:txBody>
+                  <a:tcPr>
+                    <a:lnL w="12700" cap="flat" cmpd="sng" algn="ctr">
+                      <a:solidFill>
+                        <a:schemeClr val="tx1"/>
+                      </a:solidFill>
+                      <a:prstDash val="sysDot"/>
+                      <a:round/>
+                      <a:headEnd type="none" w="med" len="med"/>
+                      <a:tailEnd type="none" w="med" len="med"/>
+                    </a:lnL>
+                    <a:lnR w="12700" cap="flat" cmpd="sng" algn="ctr">
+                      <a:solidFill>
+                        <a:schemeClr val="tx1"/>
+                      </a:solidFill>
+                      <a:prstDash val="sysDot"/>
+                      <a:round/>
+                      <a:headEnd type="none" w="med" len="med"/>
+                      <a:tailEnd type="none" w="med" len="med"/>
+                    </a:lnR>
+                    <a:lnT w="12700" cap="flat" cmpd="sng" algn="ctr">
+                      <a:solidFill>
+                        <a:schemeClr val="tx1"/>
+                      </a:solidFill>
+                      <a:prstDash val="sysDot"/>
+                      <a:round/>
+                      <a:headEnd type="none" w="med" len="med"/>
+                      <a:tailEnd type="none" w="med" len="med"/>
+                    </a:lnT>
+                    <a:lnB w="12700" cap="flat" cmpd="sng" algn="ctr">
+                      <a:solidFill>
+                        <a:schemeClr val="tx1"/>
+                      </a:solidFill>
+                      <a:prstDash val="sysDot"/>
+                      <a:round/>
+                      <a:headEnd type="none" w="med" len="med"/>
+                      <a:tailEnd type="none" w="med" len="med"/>
+                    </a:lnB>
+                  </a:tcPr>
+                </a:tc>
+                <a:tc>
+                  <a:txBody>
+                    <a:bodyPr/>
+                    <a:lstStyle/>
+                    <a:p>
+                      <a:pPr latinLnBrk="1"/>
+                      <a:r>
+                        <a:rPr lang="en-US" altLang="ko-KR" sz="1600" b="1" baseline="0" dirty="0" smtClean="0"/>
+                        <a:t>Morning</a:t>
+                      </a:r>
+                    </a:p>
+                  </a:txBody>
+                  <a:tcPr>
+                    <a:lnL w="12700" cap="flat" cmpd="sng" algn="ctr">
+                      <a:solidFill>
+                        <a:schemeClr val="tx1"/>
+                      </a:solidFill>
+                      <a:prstDash val="sysDot"/>
+                      <a:round/>
+                      <a:headEnd type="none" w="med" len="med"/>
+                      <a:tailEnd type="none" w="med" len="med"/>
+                    </a:lnL>
+                    <a:lnR w="12700" cap="flat" cmpd="sng" algn="ctr">
+                      <a:solidFill>
+                        <a:schemeClr val="tx1"/>
+                      </a:solidFill>
+                      <a:prstDash val="sysDot"/>
+                      <a:round/>
+                      <a:headEnd type="none" w="med" len="med"/>
+                      <a:tailEnd type="none" w="med" len="med"/>
+                    </a:lnR>
+                    <a:lnT w="12700" cap="flat" cmpd="sng" algn="ctr">
+                      <a:solidFill>
+                        <a:schemeClr val="tx1"/>
+                      </a:solidFill>
+                      <a:prstDash val="sysDot"/>
+                      <a:round/>
+                      <a:headEnd type="none" w="med" len="med"/>
+                      <a:tailEnd type="none" w="med" len="med"/>
+                    </a:lnT>
+                    <a:lnB w="12700" cap="flat" cmpd="sng" algn="ctr">
+                      <a:solidFill>
+                        <a:schemeClr val="tx1"/>
+                      </a:solidFill>
+                      <a:prstDash val="sysDot"/>
+                      <a:round/>
+                      <a:headEnd type="none" w="med" len="med"/>
+                      <a:tailEnd type="none" w="med" len="med"/>
+                    </a:lnB>
+                  </a:tcPr>
+                </a:tc>
+                <a:tc>
+                  <a:txBody>
+                    <a:bodyPr/>
+                    <a:lstStyle/>
+                    <a:p>
+                      <a:pPr latinLnBrk="1"/>
+                      <a:r>
+                        <a:rPr lang="en-US" altLang="ko-KR" sz="1600" b="1" baseline="0" dirty="0" smtClean="0"/>
+                        <a:t>Dosage per time</a:t>
+                      </a:r>
+                    </a:p>
+                  </a:txBody>
+                  <a:tcPr>
+                    <a:lnL w="12700" cap="flat" cmpd="sng" algn="ctr">
+                      <a:solidFill>
+                        <a:schemeClr val="tx1"/>
+                      </a:solidFill>
+                      <a:prstDash val="sysDot"/>
+                      <a:round/>
+                      <a:headEnd type="none" w="med" len="med"/>
+                      <a:tailEnd type="none" w="med" len="med"/>
+                    </a:lnL>
+                    <a:lnR w="12700" cap="flat" cmpd="sng" algn="ctr">
+                      <a:solidFill>
+                        <a:schemeClr val="tx1"/>
+                      </a:solidFill>
+                      <a:prstDash val="sysDot"/>
+                      <a:round/>
+                      <a:headEnd type="none" w="med" len="med"/>
+                      <a:tailEnd type="none" w="med" len="med"/>
+                    </a:lnR>
+                    <a:lnT w="12700" cap="flat" cmpd="sng" algn="ctr">
+                      <a:solidFill>
+                        <a:schemeClr val="tx1"/>
+                      </a:solidFill>
+                      <a:prstDash val="sysDot"/>
+                      <a:round/>
+                      <a:headEnd type="none" w="med" len="med"/>
+                      <a:tailEnd type="none" w="med" len="med"/>
+                    </a:lnT>
+                    <a:lnB w="12700" cap="flat" cmpd="sng" algn="ctr">
+                      <a:solidFill>
+                        <a:schemeClr val="tx1"/>
+                      </a:solidFill>
+                      <a:prstDash val="sysDot"/>
+                      <a:round/>
+                      <a:headEnd type="none" w="med" len="med"/>
+                      <a:tailEnd type="none" w="med" len="med"/>
+                    </a:lnB>
+                  </a:tcPr>
+                </a:tc>
+                <a:tc>
+                  <a:txBody>
+                    <a:bodyPr/>
+                    <a:lstStyle/>
+                    <a:p>
+                      <a:pPr latinLnBrk="1"/>
+                      <a:r>
+                        <a:rPr lang="en-US" altLang="ko-KR" sz="1600" b="1" baseline="0" dirty="0" smtClean="0"/>
+                        <a:t>Instruction</a:t>
+                      </a:r>
+                    </a:p>
+                  </a:txBody>
+                  <a:tcPr>
+                    <a:lnL w="12700" cap="flat" cmpd="sng" algn="ctr">
+                      <a:solidFill>
+                        <a:schemeClr val="tx1"/>
+                      </a:solidFill>
+                      <a:prstDash val="sysDot"/>
+                      <a:round/>
+                      <a:headEnd type="none" w="med" len="med"/>
+                      <a:tailEnd type="none" w="med" len="med"/>
+                    </a:lnL>
+                    <a:lnR w="12700" cap="flat" cmpd="sng" algn="ctr">
+                      <a:solidFill>
+                        <a:schemeClr val="tx1"/>
+                      </a:solidFill>
+                      <a:prstDash val="sysDot"/>
+                      <a:round/>
+                      <a:headEnd type="none" w="med" len="med"/>
+                      <a:tailEnd type="none" w="med" len="med"/>
+                    </a:lnR>
+                    <a:lnT w="12700" cap="flat" cmpd="sng" algn="ctr">
+                      <a:solidFill>
+                        <a:schemeClr val="tx1"/>
+                      </a:solidFill>
+                      <a:prstDash val="sysDot"/>
+                      <a:round/>
+                      <a:headEnd type="none" w="med" len="med"/>
+                      <a:tailEnd type="none" w="med" len="med"/>
+                    </a:lnT>
+                    <a:lnB w="12700" cap="flat" cmpd="sng" algn="ctr">
+                      <a:solidFill>
+                        <a:schemeClr val="tx1"/>
+                      </a:solidFill>
+                      <a:prstDash val="sysDot"/>
+                      <a:round/>
+                      <a:headEnd type="none" w="med" len="med"/>
+                      <a:tailEnd type="none" w="med" len="med"/>
+                    </a:lnB>
+                  </a:tcPr>
+                </a:tc>
+              </a:tr>
+              <a:tr h="512600">
+                <a:tc>
+                  <a:txBody>
+                    <a:bodyPr/>
+                    <a:lstStyle/>
+                    <a:p>
+                      <a:pPr latinLnBrk="1"/>
+                      <a:r>
+                        <a:rPr lang="en-US" altLang="ko-KR" sz="1600" b="1" dirty="0" smtClean="0"/>
+                        <a:t>1.</a:t>
+                      </a:r>
+                      <a:endParaRPr lang="ko-KR" altLang="en-US" sz="1600" b="1" dirty="0"/>
+                    </a:p>
+                  </a:txBody>
+                  <a:tcPr>
+                    <a:lnL w="12700" cap="flat" cmpd="sng" algn="ctr">
+                      <a:solidFill>
+                        <a:schemeClr val="tx1"/>
+                      </a:solidFill>
+                      <a:prstDash val="sysDot"/>
+                      <a:round/>
+                      <a:headEnd type="none" w="med" len="med"/>
+                      <a:tailEnd type="none" w="med" len="med"/>
+                    </a:lnL>
+                    <a:lnR w="12700" cap="flat" cmpd="sng" algn="ctr">
+                      <a:solidFill>
+                        <a:schemeClr val="tx1"/>
+                      </a:solidFill>
+                      <a:prstDash val="sysDot"/>
+                      <a:round/>
+                      <a:headEnd type="none" w="med" len="med"/>
+                      <a:tailEnd type="none" w="med" len="med"/>
+                    </a:lnR>
+                    <a:lnT w="12700" cap="flat" cmpd="sng" algn="ctr">
+                      <a:solidFill>
+                        <a:schemeClr val="tx1"/>
+                      </a:solidFill>
+                      <a:prstDash val="sysDot"/>
+                      <a:round/>
+                      <a:headEnd type="none" w="med" len="med"/>
+                      <a:tailEnd type="none" w="med" len="med"/>
+                    </a:lnT>
+                    <a:lnB w="12700" cap="flat" cmpd="sng" algn="ctr">
+                      <a:solidFill>
+                        <a:schemeClr val="tx1"/>
+                      </a:solidFill>
+                      <a:prstDash val="sysDot"/>
+                      <a:round/>
+                      <a:headEnd type="none" w="med" len="med"/>
+                      <a:tailEnd type="none" w="med" len="med"/>
+                    </a:lnB>
+                  </a:tcPr>
+                </a:tc>
+                <a:tc>
+                  <a:txBody>
+                    <a:bodyPr/>
+                    <a:lstStyle/>
+                    <a:p>
+                      <a:pPr latinLnBrk="1"/>
+                      <a:r>
+                        <a:rPr lang="en-US" altLang="zh-CN" sz="1600" b="1" dirty="0" smtClean="0"/>
+                        <a:t>999</a:t>
+                      </a:r>
+                      <a:r>
+                        <a:rPr lang="zh-CN" altLang="en-US" sz="1600" b="1" dirty="0" smtClean="0"/>
+                        <a:t>感冒灵</a:t>
+                      </a:r>
+                      <a:endParaRPr lang="ko-KR" altLang="en-US" sz="1600" b="1" dirty="0"/>
+                    </a:p>
+                  </a:txBody>
+                  <a:tcPr>
+                    <a:lnL w="12700" cap="flat" cmpd="sng" algn="ctr">
+                      <a:solidFill>
+                        <a:schemeClr val="tx1"/>
+                      </a:solidFill>
+                      <a:prstDash val="sysDot"/>
+                      <a:round/>
+                      <a:headEnd type="none" w="med" len="med"/>
+                      <a:tailEnd type="none" w="med" len="med"/>
+                    </a:lnL>
+                    <a:lnR w="12700" cap="flat" cmpd="sng" algn="ctr">
+                      <a:solidFill>
+                        <a:schemeClr val="tx1"/>
+                      </a:solidFill>
+                      <a:prstDash val="sysDot"/>
+                      <a:round/>
+                      <a:headEnd type="none" w="med" len="med"/>
+                      <a:tailEnd type="none" w="med" len="med"/>
+                    </a:lnR>
+                    <a:lnT w="12700" cap="flat" cmpd="sng" algn="ctr">
+                      <a:solidFill>
+                        <a:schemeClr val="tx1"/>
+                      </a:solidFill>
+                      <a:prstDash val="sysDot"/>
+                      <a:round/>
+                      <a:headEnd type="none" w="med" len="med"/>
+                      <a:tailEnd type="none" w="med" len="med"/>
+                    </a:lnT>
+                    <a:lnB w="12700" cap="flat" cmpd="sng" algn="ctr">
+                      <a:solidFill>
+                        <a:schemeClr val="tx1"/>
+                      </a:solidFill>
+                      <a:prstDash val="sysDot"/>
+                      <a:round/>
+                      <a:headEnd type="none" w="med" len="med"/>
+                      <a:tailEnd type="none" w="med" len="med"/>
+                    </a:lnB>
+                  </a:tcPr>
+                </a:tc>
+                <a:tc>
+                  <a:txBody>
+                    <a:bodyPr/>
+                    <a:lstStyle/>
+                    <a:p>
+                      <a:pPr latinLnBrk="1"/>
+                      <a:r>
+                        <a:rPr lang="zh-CN" altLang="en-US" sz="1600" b="1" dirty="0" smtClean="0"/>
+                        <a:t>口服</a:t>
+                      </a:r>
+                      <a:endParaRPr lang="ko-KR" altLang="en-US" sz="1600" b="1" dirty="0"/>
+                    </a:p>
+                  </a:txBody>
+                  <a:tcPr>
+                    <a:lnL w="12700" cap="flat" cmpd="sng" algn="ctr">
+                      <a:solidFill>
+                        <a:schemeClr val="tx1"/>
+                      </a:solidFill>
+                      <a:prstDash val="sysDot"/>
+                      <a:round/>
+                      <a:headEnd type="none" w="med" len="med"/>
+                      <a:tailEnd type="none" w="med" len="med"/>
+                    </a:lnL>
+                    <a:lnR w="12700" cap="flat" cmpd="sng" algn="ctr">
+                      <a:solidFill>
+                        <a:schemeClr val="tx1"/>
+                      </a:solidFill>
+                      <a:prstDash val="sysDot"/>
+                      <a:round/>
+                      <a:headEnd type="none" w="med" len="med"/>
+                      <a:tailEnd type="none" w="med" len="med"/>
+                    </a:lnR>
+                    <a:lnT w="12700" cap="flat" cmpd="sng" algn="ctr">
+                      <a:solidFill>
+                        <a:schemeClr val="tx1"/>
+                      </a:solidFill>
+                      <a:prstDash val="sysDot"/>
+                      <a:round/>
+                      <a:headEnd type="none" w="med" len="med"/>
+                      <a:tailEnd type="none" w="med" len="med"/>
+                    </a:lnT>
+                    <a:lnB w="12700" cap="flat" cmpd="sng" algn="ctr">
+                      <a:solidFill>
+                        <a:schemeClr val="tx1"/>
+                      </a:solidFill>
+                      <a:prstDash val="sysDot"/>
+                      <a:round/>
+                      <a:headEnd type="none" w="med" len="med"/>
+                      <a:tailEnd type="none" w="med" len="med"/>
+                    </a:lnB>
+                  </a:tcPr>
+                </a:tc>
+                <a:tc>
+                  <a:txBody>
+                    <a:bodyPr/>
+                    <a:lstStyle/>
+                    <a:p>
+                      <a:pPr latinLnBrk="1"/>
+                      <a:r>
+                        <a:rPr lang="en-US" altLang="zh-CN" sz="1600" b="1" dirty="0" smtClean="0"/>
+                        <a:t>3 days</a:t>
+                      </a:r>
+                      <a:endParaRPr lang="ko-KR" altLang="en-US" sz="1600" b="1" dirty="0"/>
+                    </a:p>
+                  </a:txBody>
+                  <a:tcPr>
+                    <a:lnL w="12700" cap="flat" cmpd="sng" algn="ctr">
+                      <a:solidFill>
+                        <a:schemeClr val="tx1"/>
+                      </a:solidFill>
+                      <a:prstDash val="sysDot"/>
+                      <a:round/>
+                      <a:headEnd type="none" w="med" len="med"/>
+                      <a:tailEnd type="none" w="med" len="med"/>
+                    </a:lnL>
+                    <a:lnR w="12700" cap="flat" cmpd="sng" algn="ctr">
+                      <a:solidFill>
+                        <a:schemeClr val="tx1"/>
+                      </a:solidFill>
+                      <a:prstDash val="sysDot"/>
+                      <a:round/>
+                      <a:headEnd type="none" w="med" len="med"/>
+                      <a:tailEnd type="none" w="med" len="med"/>
+                    </a:lnR>
+                    <a:lnT w="12700" cap="flat" cmpd="sng" algn="ctr">
+                      <a:solidFill>
+                        <a:schemeClr val="tx1"/>
+                      </a:solidFill>
+                      <a:prstDash val="sysDot"/>
+                      <a:round/>
+                      <a:headEnd type="none" w="med" len="med"/>
+                      <a:tailEnd type="none" w="med" len="med"/>
+                    </a:lnT>
+                    <a:lnB w="12700" cap="flat" cmpd="sng" algn="ctr">
+                      <a:solidFill>
+                        <a:schemeClr val="tx1"/>
+                      </a:solidFill>
+                      <a:prstDash val="sysDot"/>
+                      <a:round/>
+                      <a:headEnd type="none" w="med" len="med"/>
+                      <a:tailEnd type="none" w="med" len="med"/>
+                    </a:lnB>
+                  </a:tcPr>
+                </a:tc>
+                <a:tc>
+                  <a:txBody>
+                    <a:bodyPr/>
+                    <a:lstStyle/>
+                    <a:p>
+                      <a:pPr latinLnBrk="1"/>
+                      <a:r>
+                        <a:rPr lang="en-US" altLang="ko-KR" sz="1600" b="1" baseline="0" dirty="0" smtClean="0"/>
+                        <a:t>3</a:t>
+                      </a:r>
+                    </a:p>
+                    <a:p>
+                      <a:pPr latinLnBrk="1"/>
+                      <a:endParaRPr lang="en-US" altLang="ko-KR" sz="1600" b="1" baseline="0" dirty="0" smtClean="0"/>
+                    </a:p>
+                    <a:p>
+                      <a:pPr latinLnBrk="1"/>
+                      <a:endParaRPr lang="ko-KR" altLang="en-US" sz="1600" b="1" dirty="0"/>
+                    </a:p>
+                  </a:txBody>
+                  <a:tcPr>
+                    <a:lnL w="12700" cap="flat" cmpd="sng" algn="ctr">
+                      <a:solidFill>
+                        <a:schemeClr val="tx1"/>
+                      </a:solidFill>
+                      <a:prstDash val="sysDot"/>
+                      <a:round/>
+                      <a:headEnd type="none" w="med" len="med"/>
+                      <a:tailEnd type="none" w="med" len="med"/>
+                    </a:lnL>
+                    <a:lnR w="12700" cap="flat" cmpd="sng" algn="ctr">
+                      <a:solidFill>
+                        <a:schemeClr val="tx1"/>
+                      </a:solidFill>
+                      <a:prstDash val="sysDot"/>
+                      <a:round/>
+                      <a:headEnd type="none" w="med" len="med"/>
+                      <a:tailEnd type="none" w="med" len="med"/>
+                    </a:lnR>
+                    <a:lnT w="12700" cap="flat" cmpd="sng" algn="ctr">
+                      <a:solidFill>
+                        <a:schemeClr val="tx1"/>
+                      </a:solidFill>
+                      <a:prstDash val="sysDot"/>
+                      <a:round/>
+                      <a:headEnd type="none" w="med" len="med"/>
+                      <a:tailEnd type="none" w="med" len="med"/>
+                    </a:lnT>
+                    <a:lnB w="12700" cap="flat" cmpd="sng" algn="ctr">
+                      <a:solidFill>
+                        <a:schemeClr val="tx1"/>
+                      </a:solidFill>
+                      <a:prstDash val="sysDot"/>
+                      <a:round/>
+                      <a:headEnd type="none" w="med" len="med"/>
+                      <a:tailEnd type="none" w="med" len="med"/>
+                    </a:lnB>
+                  </a:tcPr>
+                </a:tc>
+                <a:tc>
+                  <a:txBody>
+                    <a:bodyPr/>
+                    <a:lstStyle/>
+                    <a:p>
+                      <a:r>
+                        <a:rPr lang="ko-KR" altLang="en-US" sz="1800" b="0" i="0" kern="1200" dirty="0" smtClean="0">
+                          <a:solidFill>
+                            <a:schemeClr val="tx1"/>
+                          </a:solidFill>
+                          <a:effectLst/>
+                          <a:latin typeface="+mn-lt"/>
+                          <a:ea typeface="+mn-ea"/>
+                          <a:cs typeface="+mn-cs"/>
+                        </a:rPr>
+                        <a:t>√</a:t>
+                      </a:r>
+                      <a:endParaRPr lang="ko-KR" altLang="en-US" dirty="0"/>
+                    </a:p>
+                  </a:txBody>
+                  <a:tcPr>
+                    <a:lnL w="12700" cap="flat" cmpd="sng" algn="ctr">
+                      <a:solidFill>
+                        <a:schemeClr val="tx1"/>
+                      </a:solidFill>
+                      <a:prstDash val="sysDot"/>
+                      <a:round/>
+                      <a:headEnd type="none" w="med" len="med"/>
+                      <a:tailEnd type="none" w="med" len="med"/>
+                    </a:lnL>
+                    <a:lnR w="12700" cap="flat" cmpd="sng" algn="ctr">
+                      <a:solidFill>
+                        <a:schemeClr val="tx1"/>
+                      </a:solidFill>
+                      <a:prstDash val="sysDot"/>
+                      <a:round/>
+                      <a:headEnd type="none" w="med" len="med"/>
+                      <a:tailEnd type="none" w="med" len="med"/>
+                    </a:lnR>
+                    <a:lnT w="12700" cap="flat" cmpd="sng" algn="ctr">
+                      <a:solidFill>
+                        <a:schemeClr val="tx1"/>
+                      </a:solidFill>
+                      <a:prstDash val="sysDot"/>
+                      <a:round/>
+                      <a:headEnd type="none" w="med" len="med"/>
+                      <a:tailEnd type="none" w="med" len="med"/>
+                    </a:lnT>
+                    <a:lnB w="12700" cap="flat" cmpd="sng" algn="ctr">
+                      <a:solidFill>
+                        <a:schemeClr val="tx1"/>
+                      </a:solidFill>
+                      <a:prstDash val="sysDot"/>
+                      <a:round/>
+                      <a:headEnd type="none" w="med" len="med"/>
+                      <a:tailEnd type="none" w="med" len="med"/>
+                    </a:lnB>
+                  </a:tcPr>
+                </a:tc>
+                <a:tc>
+                  <a:txBody>
+                    <a:bodyPr/>
+                    <a:lstStyle/>
+                    <a:p>
+                      <a:pPr latinLnBrk="1"/>
+                      <a:r>
+                        <a:rPr lang="ko-KR" altLang="en-US" sz="1800" b="0" i="0" kern="1200" dirty="0" smtClean="0">
+                          <a:solidFill>
+                            <a:schemeClr val="tx1"/>
+                          </a:solidFill>
+                          <a:effectLst/>
+                          <a:latin typeface="+mn-lt"/>
+                          <a:ea typeface="+mn-ea"/>
+                          <a:cs typeface="+mn-cs"/>
+                        </a:rPr>
+                        <a:t>√</a:t>
+                      </a:r>
+                      <a:endParaRPr lang="ko-KR" altLang="en-US" sz="1600" b="1" dirty="0"/>
+                    </a:p>
+                  </a:txBody>
+                  <a:tcPr>
+                    <a:lnL w="12700" cap="flat" cmpd="sng" algn="ctr">
+                      <a:solidFill>
+                        <a:schemeClr val="tx1"/>
+                      </a:solidFill>
+                      <a:prstDash val="sysDot"/>
+                      <a:round/>
+                      <a:headEnd type="none" w="med" len="med"/>
+                      <a:tailEnd type="none" w="med" len="med"/>
+                    </a:lnL>
+                    <a:lnR w="12700" cap="flat" cmpd="sng" algn="ctr">
+                      <a:solidFill>
+                        <a:schemeClr val="tx1"/>
+                      </a:solidFill>
+                      <a:prstDash val="sysDot"/>
+                      <a:round/>
+                      <a:headEnd type="none" w="med" len="med"/>
+                      <a:tailEnd type="none" w="med" len="med"/>
+                    </a:lnR>
+                    <a:lnT w="12700" cap="flat" cmpd="sng" algn="ctr">
+                      <a:solidFill>
+                        <a:schemeClr val="tx1"/>
+                      </a:solidFill>
+                      <a:prstDash val="sysDot"/>
+                      <a:round/>
+                      <a:headEnd type="none" w="med" len="med"/>
+                      <a:tailEnd type="none" w="med" len="med"/>
+                    </a:lnT>
+                    <a:lnB w="12700" cap="flat" cmpd="sng" algn="ctr">
+                      <a:solidFill>
+                        <a:schemeClr val="tx1"/>
+                      </a:solidFill>
+                      <a:prstDash val="sysDot"/>
+                      <a:round/>
+                      <a:headEnd type="none" w="med" len="med"/>
+                      <a:tailEnd type="none" w="med" len="med"/>
+                    </a:lnB>
+                  </a:tcPr>
+                </a:tc>
+                <a:tc>
+                  <a:txBody>
+                    <a:bodyPr/>
+                    <a:lstStyle/>
+                    <a:p>
+                      <a:pPr latinLnBrk="1"/>
+                      <a:r>
+                        <a:rPr lang="ko-KR" altLang="en-US" sz="1800" b="0" i="0" kern="1200" dirty="0" smtClean="0">
+                          <a:solidFill>
+                            <a:schemeClr val="tx1"/>
+                          </a:solidFill>
+                          <a:effectLst/>
+                          <a:latin typeface="+mn-lt"/>
+                          <a:ea typeface="+mn-ea"/>
+                          <a:cs typeface="+mn-cs"/>
+                        </a:rPr>
+                        <a:t>√</a:t>
+                      </a:r>
+                      <a:endParaRPr lang="ko-KR" altLang="en-US" sz="1600" b="1" dirty="0"/>
+                    </a:p>
+                  </a:txBody>
+                  <a:tcPr>
+                    <a:lnL w="12700" cap="flat" cmpd="sng" algn="ctr">
+                      <a:solidFill>
+                        <a:schemeClr val="tx1"/>
+                      </a:solidFill>
+                      <a:prstDash val="sysDot"/>
+                      <a:round/>
+                      <a:headEnd type="none" w="med" len="med"/>
+                      <a:tailEnd type="none" w="med" len="med"/>
+                    </a:lnL>
+                    <a:lnR w="12700" cap="flat" cmpd="sng" algn="ctr">
+                      <a:solidFill>
+                        <a:schemeClr val="tx1"/>
+                      </a:solidFill>
+                      <a:prstDash val="sysDot"/>
+                      <a:round/>
+                      <a:headEnd type="none" w="med" len="med"/>
+                      <a:tailEnd type="none" w="med" len="med"/>
+                    </a:lnR>
+                    <a:lnT w="12700" cap="flat" cmpd="sng" algn="ctr">
+                      <a:solidFill>
+                        <a:schemeClr val="tx1"/>
+                      </a:solidFill>
+                      <a:prstDash val="sysDot"/>
+                      <a:round/>
+                      <a:headEnd type="none" w="med" len="med"/>
+                      <a:tailEnd type="none" w="med" len="med"/>
+                    </a:lnT>
+                    <a:lnB w="12700" cap="flat" cmpd="sng" algn="ctr">
+                      <a:solidFill>
+                        <a:schemeClr val="tx1"/>
+                      </a:solidFill>
+                      <a:prstDash val="sysDot"/>
+                      <a:round/>
+                      <a:headEnd type="none" w="med" len="med"/>
+                      <a:tailEnd type="none" w="med" len="med"/>
+                    </a:lnB>
+                  </a:tcPr>
+                </a:tc>
+                <a:tc>
+                  <a:txBody>
+                    <a:bodyPr/>
+                    <a:lstStyle/>
+                    <a:p>
+                      <a:pPr latinLnBrk="1"/>
+                      <a:r>
+                        <a:rPr lang="en-US" altLang="ko-KR" sz="1600" b="1" dirty="0" smtClean="0"/>
+                        <a:t>1.10 ml</a:t>
+                      </a:r>
+                      <a:endParaRPr lang="ko-KR" altLang="en-US" sz="1600" b="1" dirty="0"/>
+                    </a:p>
+                  </a:txBody>
+                  <a:tcPr>
+                    <a:lnL w="12700" cap="flat" cmpd="sng" algn="ctr">
+                      <a:solidFill>
+                        <a:schemeClr val="tx1"/>
+                      </a:solidFill>
+                      <a:prstDash val="sysDot"/>
+                      <a:round/>
+                      <a:headEnd type="none" w="med" len="med"/>
+                      <a:tailEnd type="none" w="med" len="med"/>
+                    </a:lnL>
+                    <a:lnR w="12700" cap="flat" cmpd="sng" algn="ctr">
+                      <a:solidFill>
+                        <a:schemeClr val="tx1"/>
+                      </a:solidFill>
+                      <a:prstDash val="sysDot"/>
+                      <a:round/>
+                      <a:headEnd type="none" w="med" len="med"/>
+                      <a:tailEnd type="none" w="med" len="med"/>
+                    </a:lnR>
+                    <a:lnT w="12700" cap="flat" cmpd="sng" algn="ctr">
+                      <a:solidFill>
+                        <a:schemeClr val="tx1"/>
+                      </a:solidFill>
+                      <a:prstDash val="sysDot"/>
+                      <a:round/>
+                      <a:headEnd type="none" w="med" len="med"/>
+                      <a:tailEnd type="none" w="med" len="med"/>
+                    </a:lnT>
+                    <a:lnB w="12700" cap="flat" cmpd="sng" algn="ctr">
+                      <a:solidFill>
+                        <a:schemeClr val="tx1"/>
+                      </a:solidFill>
+                      <a:prstDash val="sysDot"/>
+                      <a:round/>
+                      <a:headEnd type="none" w="med" len="med"/>
+                      <a:tailEnd type="none" w="med" len="med"/>
+                    </a:lnB>
+                  </a:tcPr>
+                </a:tc>
+                <a:tc>
+                  <a:txBody>
+                    <a:bodyPr/>
+                    <a:lstStyle/>
+                    <a:p>
+                      <a:pPr latinLnBrk="1"/>
+                      <a:r>
+                        <a:rPr lang="zh-CN" altLang="en-US" sz="1600" b="1" dirty="0" smtClean="0"/>
+                        <a:t>饭后</a:t>
+                      </a:r>
+                      <a:r>
+                        <a:rPr lang="en-US" altLang="zh-CN" sz="1600" b="1" dirty="0" smtClean="0"/>
+                        <a:t>x</a:t>
+                      </a:r>
+                      <a:r>
+                        <a:rPr lang="zh-CN" altLang="en-US" sz="1600" b="1" dirty="0" smtClean="0"/>
+                        <a:t>分钟后服用，不可吃。。。</a:t>
+                      </a:r>
+                      <a:endParaRPr lang="ko-KR" altLang="en-US" sz="1600" b="1" dirty="0"/>
+                    </a:p>
+                  </a:txBody>
+                  <a:tcPr>
+                    <a:lnL w="12700" cap="flat" cmpd="sng" algn="ctr">
+                      <a:solidFill>
+                        <a:schemeClr val="tx1"/>
+                      </a:solidFill>
+                      <a:prstDash val="sysDot"/>
+                      <a:round/>
+                      <a:headEnd type="none" w="med" len="med"/>
+                      <a:tailEnd type="none" w="med" len="med"/>
+                    </a:lnL>
+                    <a:lnR w="12700" cap="flat" cmpd="sng" algn="ctr">
+                      <a:solidFill>
+                        <a:schemeClr val="tx1"/>
+                      </a:solidFill>
+                      <a:prstDash val="sysDot"/>
+                      <a:round/>
+                      <a:headEnd type="none" w="med" len="med"/>
+                      <a:tailEnd type="none" w="med" len="med"/>
+                    </a:lnR>
+                    <a:lnT w="12700" cap="flat" cmpd="sng" algn="ctr">
+                      <a:solidFill>
+                        <a:schemeClr val="tx1"/>
+                      </a:solidFill>
+                      <a:prstDash val="sysDot"/>
+                      <a:round/>
+                      <a:headEnd type="none" w="med" len="med"/>
+                      <a:tailEnd type="none" w="med" len="med"/>
+                    </a:lnT>
+                    <a:lnB w="12700" cap="flat" cmpd="sng" algn="ctr">
+                      <a:solidFill>
+                        <a:schemeClr val="tx1"/>
+                      </a:solidFill>
+                      <a:prstDash val="sysDot"/>
+                      <a:round/>
+                      <a:headEnd type="none" w="med" len="med"/>
+                      <a:tailEnd type="none" w="med" len="med"/>
+                    </a:lnB>
+                  </a:tcPr>
+                </a:tc>
+              </a:tr>
+              <a:tr h="512600">
+                <a:tc>
+                  <a:txBody>
+                    <a:bodyPr/>
+                    <a:lstStyle/>
+                    <a:p>
+                      <a:pPr latinLnBrk="1"/>
+                      <a:r>
+                        <a:rPr lang="en-US" altLang="ko-KR" sz="1600" b="1" dirty="0" smtClean="0"/>
+                        <a:t>2.</a:t>
+                      </a:r>
+                      <a:endParaRPr lang="ko-KR" altLang="en-US" sz="1600" b="1" dirty="0"/>
+                    </a:p>
+                  </a:txBody>
+                  <a:tcPr>
+                    <a:lnL w="12700" cap="flat" cmpd="sng" algn="ctr">
+                      <a:solidFill>
+                        <a:schemeClr val="tx1"/>
+                      </a:solidFill>
+                      <a:prstDash val="sysDot"/>
+                      <a:round/>
+                      <a:headEnd type="none" w="med" len="med"/>
+                      <a:tailEnd type="none" w="med" len="med"/>
+                    </a:lnL>
+                    <a:lnR w="12700" cap="flat" cmpd="sng" algn="ctr">
+                      <a:solidFill>
+                        <a:schemeClr val="tx1"/>
+                      </a:solidFill>
+                      <a:prstDash val="sysDot"/>
+                      <a:round/>
+                      <a:headEnd type="none" w="med" len="med"/>
+                      <a:tailEnd type="none" w="med" len="med"/>
+                    </a:lnR>
+                    <a:lnT w="12700" cap="flat" cmpd="sng" algn="ctr">
+                      <a:solidFill>
+                        <a:schemeClr val="tx1"/>
+                      </a:solidFill>
+                      <a:prstDash val="sysDot"/>
+                      <a:round/>
+                      <a:headEnd type="none" w="med" len="med"/>
+                      <a:tailEnd type="none" w="med" len="med"/>
+                    </a:lnT>
+                    <a:lnB w="12700" cap="flat" cmpd="sng" algn="ctr">
+                      <a:solidFill>
+                        <a:schemeClr val="tx1"/>
+                      </a:solidFill>
+                      <a:prstDash val="sysDot"/>
+                      <a:round/>
+                      <a:headEnd type="none" w="med" len="med"/>
+                      <a:tailEnd type="none" w="med" len="med"/>
+                    </a:lnB>
+                  </a:tcPr>
+                </a:tc>
+                <a:tc>
+                  <a:txBody>
+                    <a:bodyPr/>
+                    <a:lstStyle/>
+                    <a:p>
+                      <a:pPr latinLnBrk="1"/>
+                      <a:endParaRPr lang="ko-KR" altLang="en-US" sz="1600" b="1" dirty="0"/>
+                    </a:p>
+                  </a:txBody>
+                  <a:tcPr>
+                    <a:lnL w="12700" cap="flat" cmpd="sng" algn="ctr">
+                      <a:solidFill>
+                        <a:schemeClr val="tx1"/>
+                      </a:solidFill>
+                      <a:prstDash val="sysDot"/>
+                      <a:round/>
+                      <a:headEnd type="none" w="med" len="med"/>
+                      <a:tailEnd type="none" w="med" len="med"/>
+                    </a:lnL>
+                    <a:lnR w="12700" cap="flat" cmpd="sng" algn="ctr">
+                      <a:solidFill>
+                        <a:schemeClr val="tx1"/>
+                      </a:solidFill>
+                      <a:prstDash val="sysDot"/>
+                      <a:round/>
+                      <a:headEnd type="none" w="med" len="med"/>
+                      <a:tailEnd type="none" w="med" len="med"/>
+                    </a:lnR>
+                    <a:lnT w="12700" cap="flat" cmpd="sng" algn="ctr">
+                      <a:solidFill>
+                        <a:schemeClr val="tx1"/>
+                      </a:solidFill>
+                      <a:prstDash val="sysDot"/>
+                      <a:round/>
+                      <a:headEnd type="none" w="med" len="med"/>
+                      <a:tailEnd type="none" w="med" len="med"/>
+                    </a:lnT>
+                    <a:lnB w="12700" cap="flat" cmpd="sng" algn="ctr">
+                      <a:solidFill>
+                        <a:schemeClr val="tx1"/>
+                      </a:solidFill>
+                      <a:prstDash val="sysDot"/>
+                      <a:round/>
+                      <a:headEnd type="none" w="med" len="med"/>
+                      <a:tailEnd type="none" w="med" len="med"/>
+                    </a:lnB>
+                  </a:tcPr>
+                </a:tc>
+                <a:tc>
+                  <a:txBody>
+                    <a:bodyPr/>
+                    <a:lstStyle/>
+                    <a:p>
+                      <a:pPr latinLnBrk="1"/>
+                      <a:endParaRPr lang="ko-KR" altLang="en-US" sz="1600" b="1"/>
+                    </a:p>
+                  </a:txBody>
+                  <a:tcPr>
+                    <a:lnL w="12700" cap="flat" cmpd="sng" algn="ctr">
+                      <a:solidFill>
+                        <a:schemeClr val="tx1"/>
+                      </a:solidFill>
+                      <a:prstDash val="sysDot"/>
+                      <a:round/>
+                      <a:headEnd type="none" w="med" len="med"/>
+                      <a:tailEnd type="none" w="med" len="med"/>
+                    </a:lnL>
+                    <a:lnR w="12700" cap="flat" cmpd="sng" algn="ctr">
+                      <a:solidFill>
+                        <a:schemeClr val="tx1"/>
+                      </a:solidFill>
+                      <a:prstDash val="sysDot"/>
+                      <a:round/>
+                      <a:headEnd type="none" w="med" len="med"/>
+                      <a:tailEnd type="none" w="med" len="med"/>
+                    </a:lnR>
+                    <a:lnT w="12700" cap="flat" cmpd="sng" algn="ctr">
+                      <a:solidFill>
+                        <a:schemeClr val="tx1"/>
+                      </a:solidFill>
+                      <a:prstDash val="sysDot"/>
+                      <a:round/>
+                      <a:headEnd type="none" w="med" len="med"/>
+                      <a:tailEnd type="none" w="med" len="med"/>
+                    </a:lnT>
+                    <a:lnB w="12700" cap="flat" cmpd="sng" algn="ctr">
+                      <a:solidFill>
+                        <a:schemeClr val="tx1"/>
+                      </a:solidFill>
+                      <a:prstDash val="sysDot"/>
+                      <a:round/>
+                      <a:headEnd type="none" w="med" len="med"/>
+                      <a:tailEnd type="none" w="med" len="med"/>
+                    </a:lnB>
+                  </a:tcPr>
+                </a:tc>
+                <a:tc>
+                  <a:txBody>
+                    <a:bodyPr/>
+                    <a:lstStyle/>
+                    <a:p>
+                      <a:pPr latinLnBrk="1"/>
+                      <a:endParaRPr lang="ko-KR" altLang="en-US" sz="1600" b="1"/>
+                    </a:p>
+                  </a:txBody>
+                  <a:tcPr>
+                    <a:lnL w="12700" cap="flat" cmpd="sng" algn="ctr">
+                      <a:solidFill>
+                        <a:schemeClr val="tx1"/>
+                      </a:solidFill>
+                      <a:prstDash val="sysDot"/>
+                      <a:round/>
+                      <a:headEnd type="none" w="med" len="med"/>
+                      <a:tailEnd type="none" w="med" len="med"/>
+                    </a:lnL>
+                    <a:lnR w="12700" cap="flat" cmpd="sng" algn="ctr">
+                      <a:solidFill>
+                        <a:schemeClr val="tx1"/>
+                      </a:solidFill>
+                      <a:prstDash val="sysDot"/>
+                      <a:round/>
+                      <a:headEnd type="none" w="med" len="med"/>
+                      <a:tailEnd type="none" w="med" len="med"/>
+                    </a:lnR>
+                    <a:lnT w="12700" cap="flat" cmpd="sng" algn="ctr">
+                      <a:solidFill>
+                        <a:schemeClr val="tx1"/>
+                      </a:solidFill>
+                      <a:prstDash val="sysDot"/>
+                      <a:round/>
+                      <a:headEnd type="none" w="med" len="med"/>
+                      <a:tailEnd type="none" w="med" len="med"/>
+                    </a:lnT>
+                    <a:lnB w="12700" cap="flat" cmpd="sng" algn="ctr">
+                      <a:solidFill>
+                        <a:schemeClr val="tx1"/>
+                      </a:solidFill>
+                      <a:prstDash val="sysDot"/>
+                      <a:round/>
+                      <a:headEnd type="none" w="med" len="med"/>
+                      <a:tailEnd type="none" w="med" len="med"/>
+                    </a:lnB>
+                  </a:tcPr>
+                </a:tc>
+                <a:tc>
+                  <a:txBody>
+                    <a:bodyPr/>
+                    <a:lstStyle/>
+                    <a:p>
+                      <a:pPr latinLnBrk="1"/>
+                      <a:endParaRPr lang="ko-KR" altLang="en-US" sz="1600" b="1" dirty="0"/>
+                    </a:p>
+                  </a:txBody>
+                  <a:tcPr>
+                    <a:lnL w="12700" cap="flat" cmpd="sng" algn="ctr">
+                      <a:solidFill>
+                        <a:schemeClr val="tx1"/>
+                      </a:solidFill>
+                      <a:prstDash val="sysDot"/>
+                      <a:round/>
+                      <a:headEnd type="none" w="med" len="med"/>
+                      <a:tailEnd type="none" w="med" len="med"/>
+                    </a:lnL>
+                    <a:lnR w="12700" cap="flat" cmpd="sng" algn="ctr">
+                      <a:solidFill>
+                        <a:schemeClr val="tx1"/>
+                      </a:solidFill>
+                      <a:prstDash val="sysDot"/>
+                      <a:round/>
+                      <a:headEnd type="none" w="med" len="med"/>
+                      <a:tailEnd type="none" w="med" len="med"/>
+                    </a:lnR>
+                    <a:lnT w="12700" cap="flat" cmpd="sng" algn="ctr">
+                      <a:solidFill>
+                        <a:schemeClr val="tx1"/>
+                      </a:solidFill>
+                      <a:prstDash val="sysDot"/>
+                      <a:round/>
+                      <a:headEnd type="none" w="med" len="med"/>
+                      <a:tailEnd type="none" w="med" len="med"/>
+                    </a:lnT>
+                    <a:lnB w="12700" cap="flat" cmpd="sng" algn="ctr">
+                      <a:solidFill>
+                        <a:schemeClr val="tx1"/>
+                      </a:solidFill>
+                      <a:prstDash val="sysDot"/>
+                      <a:round/>
+                      <a:headEnd type="none" w="med" len="med"/>
+                      <a:tailEnd type="none" w="med" len="med"/>
+                    </a:lnB>
+                  </a:tcPr>
+                </a:tc>
+                <a:tc>
+                  <a:txBody>
+                    <a:bodyPr/>
+                    <a:lstStyle/>
+                    <a:p>
+                      <a:pPr latinLnBrk="1"/>
+                      <a:endParaRPr lang="ko-KR" altLang="en-US" sz="1600" b="1" dirty="0"/>
+                    </a:p>
+                  </a:txBody>
+                  <a:tcPr>
+                    <a:lnL w="12700" cap="flat" cmpd="sng" algn="ctr">
+                      <a:solidFill>
+                        <a:schemeClr val="tx1"/>
+                      </a:solidFill>
+                      <a:prstDash val="sysDot"/>
+                      <a:round/>
+                      <a:headEnd type="none" w="med" len="med"/>
+                      <a:tailEnd type="none" w="med" len="med"/>
+                    </a:lnL>
+                    <a:lnR w="12700" cap="flat" cmpd="sng" algn="ctr">
+                      <a:solidFill>
+                        <a:schemeClr val="tx1"/>
+                      </a:solidFill>
+                      <a:prstDash val="sysDot"/>
+                      <a:round/>
+                      <a:headEnd type="none" w="med" len="med"/>
+                      <a:tailEnd type="none" w="med" len="med"/>
+                    </a:lnR>
+                    <a:lnT w="12700" cap="flat" cmpd="sng" algn="ctr">
+                      <a:solidFill>
+                        <a:schemeClr val="tx1"/>
+                      </a:solidFill>
+                      <a:prstDash val="sysDot"/>
+                      <a:round/>
+                      <a:headEnd type="none" w="med" len="med"/>
+                      <a:tailEnd type="none" w="med" len="med"/>
+                    </a:lnT>
+                    <a:lnB w="12700" cap="flat" cmpd="sng" algn="ctr">
+                      <a:solidFill>
+                        <a:schemeClr val="tx1"/>
+                      </a:solidFill>
+                      <a:prstDash val="sysDot"/>
+                      <a:round/>
+                      <a:headEnd type="none" w="med" len="med"/>
+                      <a:tailEnd type="none" w="med" len="med"/>
+                    </a:lnB>
+                  </a:tcPr>
+                </a:tc>
+                <a:tc>
+                  <a:txBody>
+                    <a:bodyPr/>
+                    <a:lstStyle/>
+                    <a:p>
+                      <a:pPr latinLnBrk="1"/>
+                      <a:endParaRPr lang="ko-KR" altLang="en-US" sz="1600" b="1"/>
+                    </a:p>
+                  </a:txBody>
+                  <a:tcPr>
+                    <a:lnL w="12700" cap="flat" cmpd="sng" algn="ctr">
+                      <a:solidFill>
+                        <a:schemeClr val="tx1"/>
+                      </a:solidFill>
+                      <a:prstDash val="sysDot"/>
+                      <a:round/>
+                      <a:headEnd type="none" w="med" len="med"/>
+                      <a:tailEnd type="none" w="med" len="med"/>
+                    </a:lnL>
+                    <a:lnR w="12700" cap="flat" cmpd="sng" algn="ctr">
+                      <a:solidFill>
+                        <a:schemeClr val="tx1"/>
+                      </a:solidFill>
+                      <a:prstDash val="sysDot"/>
+                      <a:round/>
+                      <a:headEnd type="none" w="med" len="med"/>
+                      <a:tailEnd type="none" w="med" len="med"/>
+                    </a:lnR>
+                    <a:lnT w="12700" cap="flat" cmpd="sng" algn="ctr">
+                      <a:solidFill>
+                        <a:schemeClr val="tx1"/>
+                      </a:solidFill>
+                      <a:prstDash val="sysDot"/>
+                      <a:round/>
+                      <a:headEnd type="none" w="med" len="med"/>
+                      <a:tailEnd type="none" w="med" len="med"/>
+                    </a:lnT>
+                    <a:lnB w="12700" cap="flat" cmpd="sng" algn="ctr">
+                      <a:solidFill>
+                        <a:schemeClr val="tx1"/>
+                      </a:solidFill>
+                      <a:prstDash val="sysDot"/>
+                      <a:round/>
+                      <a:headEnd type="none" w="med" len="med"/>
+                      <a:tailEnd type="none" w="med" len="med"/>
+                    </a:lnB>
+                  </a:tcPr>
+                </a:tc>
+                <a:tc>
+                  <a:txBody>
+                    <a:bodyPr/>
+                    <a:lstStyle/>
+                    <a:p>
+                      <a:pPr latinLnBrk="1"/>
+                      <a:endParaRPr lang="ko-KR" altLang="en-US" sz="1600" b="1"/>
+                    </a:p>
+                  </a:txBody>
+                  <a:tcPr>
+                    <a:lnL w="12700" cap="flat" cmpd="sng" algn="ctr">
+                      <a:solidFill>
+                        <a:schemeClr val="tx1"/>
+                      </a:solidFill>
+                      <a:prstDash val="sysDot"/>
+                      <a:round/>
+                      <a:headEnd type="none" w="med" len="med"/>
+                      <a:tailEnd type="none" w="med" len="med"/>
+                    </a:lnL>
+                    <a:lnR w="12700" cap="flat" cmpd="sng" algn="ctr">
+                      <a:solidFill>
+                        <a:schemeClr val="tx1"/>
+                      </a:solidFill>
+                      <a:prstDash val="sysDot"/>
+                      <a:round/>
+                      <a:headEnd type="none" w="med" len="med"/>
+                      <a:tailEnd type="none" w="med" len="med"/>
+                    </a:lnR>
+                    <a:lnT w="12700" cap="flat" cmpd="sng" algn="ctr">
+                      <a:solidFill>
+                        <a:schemeClr val="tx1"/>
+                      </a:solidFill>
+                      <a:prstDash val="sysDot"/>
+                      <a:round/>
+                      <a:headEnd type="none" w="med" len="med"/>
+                      <a:tailEnd type="none" w="med" len="med"/>
+                    </a:lnT>
+                    <a:lnB w="12700" cap="flat" cmpd="sng" algn="ctr">
+                      <a:solidFill>
+                        <a:schemeClr val="tx1"/>
+                      </a:solidFill>
+                      <a:prstDash val="sysDot"/>
+                      <a:round/>
+                      <a:headEnd type="none" w="med" len="med"/>
+                      <a:tailEnd type="none" w="med" len="med"/>
+                    </a:lnB>
+                  </a:tcPr>
+                </a:tc>
+                <a:tc>
+                  <a:txBody>
+                    <a:bodyPr/>
+                    <a:lstStyle/>
+                    <a:p>
+                      <a:pPr latinLnBrk="1"/>
+                      <a:endParaRPr lang="ko-KR" altLang="en-US" sz="1600" b="1"/>
+                    </a:p>
+                  </a:txBody>
+                  <a:tcPr>
+                    <a:lnL w="12700" cap="flat" cmpd="sng" algn="ctr">
+                      <a:solidFill>
+                        <a:schemeClr val="tx1"/>
+                      </a:solidFill>
+                      <a:prstDash val="sysDot"/>
+                      <a:round/>
+                      <a:headEnd type="none" w="med" len="med"/>
+                      <a:tailEnd type="none" w="med" len="med"/>
+                    </a:lnL>
+                    <a:lnR w="12700" cap="flat" cmpd="sng" algn="ctr">
+                      <a:solidFill>
+                        <a:schemeClr val="tx1"/>
+                      </a:solidFill>
+                      <a:prstDash val="sysDot"/>
+                      <a:round/>
+                      <a:headEnd type="none" w="med" len="med"/>
+                      <a:tailEnd type="none" w="med" len="med"/>
+                    </a:lnR>
+                    <a:lnT w="12700" cap="flat" cmpd="sng" algn="ctr">
+                      <a:solidFill>
+                        <a:schemeClr val="tx1"/>
+                      </a:solidFill>
+                      <a:prstDash val="sysDot"/>
+                      <a:round/>
+                      <a:headEnd type="none" w="med" len="med"/>
+                      <a:tailEnd type="none" w="med" len="med"/>
+                    </a:lnT>
+                    <a:lnB w="12700" cap="flat" cmpd="sng" algn="ctr">
+                      <a:solidFill>
+                        <a:schemeClr val="tx1"/>
+                      </a:solidFill>
+                      <a:prstDash val="sysDot"/>
+                      <a:round/>
+                      <a:headEnd type="none" w="med" len="med"/>
+                      <a:tailEnd type="none" w="med" len="med"/>
+                    </a:lnB>
+                  </a:tcPr>
+                </a:tc>
+                <a:tc>
+                  <a:txBody>
+                    <a:bodyPr/>
+                    <a:lstStyle/>
+                    <a:p>
+                      <a:pPr latinLnBrk="1"/>
+                      <a:endParaRPr lang="ko-KR" altLang="en-US" sz="1600" b="1"/>
+                    </a:p>
+                  </a:txBody>
+                  <a:tcPr>
+                    <a:lnL w="12700" cap="flat" cmpd="sng" algn="ctr">
+                      <a:solidFill>
+                        <a:schemeClr val="tx1"/>
+                      </a:solidFill>
+                      <a:prstDash val="sysDot"/>
+                      <a:round/>
+                      <a:headEnd type="none" w="med" len="med"/>
+                      <a:tailEnd type="none" w="med" len="med"/>
+                    </a:lnL>
+                    <a:lnR w="12700" cap="flat" cmpd="sng" algn="ctr">
+                      <a:solidFill>
+                        <a:schemeClr val="tx1"/>
+                      </a:solidFill>
+                      <a:prstDash val="sysDot"/>
+                      <a:round/>
+                      <a:headEnd type="none" w="med" len="med"/>
+                      <a:tailEnd type="none" w="med" len="med"/>
+                    </a:lnR>
+                    <a:lnT w="12700" cap="flat" cmpd="sng" algn="ctr">
+                      <a:solidFill>
+                        <a:schemeClr val="tx1"/>
+                      </a:solidFill>
+                      <a:prstDash val="sysDot"/>
+                      <a:round/>
+                      <a:headEnd type="none" w="med" len="med"/>
+                      <a:tailEnd type="none" w="med" len="med"/>
+                    </a:lnT>
+                    <a:lnB w="12700" cap="flat" cmpd="sng" algn="ctr">
+                      <a:solidFill>
+                        <a:schemeClr val="tx1"/>
+                      </a:solidFill>
+                      <a:prstDash val="sysDot"/>
+                      <a:round/>
+                      <a:headEnd type="none" w="med" len="med"/>
+                      <a:tailEnd type="none" w="med" len="med"/>
+                    </a:lnB>
+                  </a:tcPr>
+                </a:tc>
+              </a:tr>
+              <a:tr h="512600">
+                <a:tc>
+                  <a:txBody>
+                    <a:bodyPr/>
+                    <a:lstStyle/>
+                    <a:p>
+                      <a:pPr latinLnBrk="1"/>
+                      <a:r>
+                        <a:rPr lang="en-US" altLang="ko-KR" sz="1600" b="1" dirty="0" smtClean="0"/>
+                        <a:t>…</a:t>
+                      </a:r>
+                      <a:endParaRPr lang="ko-KR" altLang="en-US" sz="1600" b="1" dirty="0"/>
+                    </a:p>
+                  </a:txBody>
+                  <a:tcPr>
+                    <a:lnL w="12700" cap="flat" cmpd="sng" algn="ctr">
+                      <a:solidFill>
+                        <a:schemeClr val="tx1"/>
+                      </a:solidFill>
+                      <a:prstDash val="sysDot"/>
+                      <a:round/>
+                      <a:headEnd type="none" w="med" len="med"/>
+                      <a:tailEnd type="none" w="med" len="med"/>
+                    </a:lnL>
+                    <a:lnR w="12700" cap="flat" cmpd="sng" algn="ctr">
+                      <a:solidFill>
+                        <a:schemeClr val="tx1"/>
+                      </a:solidFill>
+                      <a:prstDash val="sysDot"/>
+                      <a:round/>
+                      <a:headEnd type="none" w="med" len="med"/>
+                      <a:tailEnd type="none" w="med" len="med"/>
+                    </a:lnR>
+                    <a:lnT w="12700" cap="flat" cmpd="sng" algn="ctr">
+                      <a:solidFill>
+                        <a:schemeClr val="tx1"/>
+                      </a:solidFill>
+                      <a:prstDash val="sysDot"/>
+                      <a:round/>
+                      <a:headEnd type="none" w="med" len="med"/>
+                      <a:tailEnd type="none" w="med" len="med"/>
+                    </a:lnT>
+                    <a:lnB w="12700" cap="flat" cmpd="sng" algn="ctr">
+                      <a:solidFill>
+                        <a:schemeClr val="tx1"/>
+                      </a:solidFill>
+                      <a:prstDash val="sysDot"/>
+                      <a:round/>
+                      <a:headEnd type="none" w="med" len="med"/>
+                      <a:tailEnd type="none" w="med" len="med"/>
+                    </a:lnB>
+                  </a:tcPr>
+                </a:tc>
+                <a:tc>
+                  <a:txBody>
+                    <a:bodyPr/>
+                    <a:lstStyle/>
+                    <a:p>
+                      <a:pPr latinLnBrk="1"/>
+                      <a:endParaRPr lang="ko-KR" altLang="en-US" sz="1600" b="1" dirty="0"/>
+                    </a:p>
+                  </a:txBody>
+                  <a:tcPr>
+                    <a:lnL w="12700" cap="flat" cmpd="sng" algn="ctr">
+                      <a:solidFill>
+                        <a:schemeClr val="tx1"/>
+                      </a:solidFill>
+                      <a:prstDash val="sysDot"/>
+                      <a:round/>
+                      <a:headEnd type="none" w="med" len="med"/>
+                      <a:tailEnd type="none" w="med" len="med"/>
+                    </a:lnL>
+                    <a:lnR w="12700" cap="flat" cmpd="sng" algn="ctr">
+                      <a:solidFill>
+                        <a:schemeClr val="tx1"/>
+                      </a:solidFill>
+                      <a:prstDash val="sysDot"/>
+                      <a:round/>
+                      <a:headEnd type="none" w="med" len="med"/>
+                      <a:tailEnd type="none" w="med" len="med"/>
+                    </a:lnR>
+                    <a:lnT w="12700" cap="flat" cmpd="sng" algn="ctr">
+                      <a:solidFill>
+                        <a:schemeClr val="tx1"/>
+                      </a:solidFill>
+                      <a:prstDash val="sysDot"/>
+                      <a:round/>
+                      <a:headEnd type="none" w="med" len="med"/>
+                      <a:tailEnd type="none" w="med" len="med"/>
+                    </a:lnT>
+                    <a:lnB w="12700" cap="flat" cmpd="sng" algn="ctr">
+                      <a:solidFill>
+                        <a:schemeClr val="tx1"/>
+                      </a:solidFill>
+                      <a:prstDash val="sysDot"/>
+                      <a:round/>
+                      <a:headEnd type="none" w="med" len="med"/>
+                      <a:tailEnd type="none" w="med" len="med"/>
+                    </a:lnB>
+                  </a:tcPr>
+                </a:tc>
+                <a:tc>
+                  <a:txBody>
+                    <a:bodyPr/>
+                    <a:lstStyle/>
+                    <a:p>
+                      <a:pPr latinLnBrk="1"/>
+                      <a:endParaRPr lang="ko-KR" altLang="en-US" sz="1600" b="1" dirty="0"/>
+                    </a:p>
+                  </a:txBody>
+                  <a:tcPr>
+                    <a:lnL w="12700" cap="flat" cmpd="sng" algn="ctr">
+                      <a:solidFill>
+                        <a:schemeClr val="tx1"/>
+                      </a:solidFill>
+                      <a:prstDash val="sysDot"/>
+                      <a:round/>
+                      <a:headEnd type="none" w="med" len="med"/>
+                      <a:tailEnd type="none" w="med" len="med"/>
+                    </a:lnL>
+                    <a:lnR w="12700" cap="flat" cmpd="sng" algn="ctr">
+                      <a:solidFill>
+                        <a:schemeClr val="tx1"/>
+                      </a:solidFill>
+                      <a:prstDash val="sysDot"/>
+                      <a:round/>
+                      <a:headEnd type="none" w="med" len="med"/>
+                      <a:tailEnd type="none" w="med" len="med"/>
+                    </a:lnR>
+                    <a:lnT w="12700" cap="flat" cmpd="sng" algn="ctr">
+                      <a:solidFill>
+                        <a:schemeClr val="tx1"/>
+                      </a:solidFill>
+                      <a:prstDash val="sysDot"/>
+                      <a:round/>
+                      <a:headEnd type="none" w="med" len="med"/>
+                      <a:tailEnd type="none" w="med" len="med"/>
+                    </a:lnT>
+                    <a:lnB w="12700" cap="flat" cmpd="sng" algn="ctr">
+                      <a:solidFill>
+                        <a:schemeClr val="tx1"/>
+                      </a:solidFill>
+                      <a:prstDash val="sysDot"/>
+                      <a:round/>
+                      <a:headEnd type="none" w="med" len="med"/>
+                      <a:tailEnd type="none" w="med" len="med"/>
+                    </a:lnB>
+                  </a:tcPr>
+                </a:tc>
+                <a:tc>
+                  <a:txBody>
+                    <a:bodyPr/>
+                    <a:lstStyle/>
+                    <a:p>
+                      <a:pPr latinLnBrk="1"/>
+                      <a:endParaRPr lang="ko-KR" altLang="en-US" sz="1600" b="1" dirty="0"/>
+                    </a:p>
+                  </a:txBody>
+                  <a:tcPr>
+                    <a:lnL w="12700" cap="flat" cmpd="sng" algn="ctr">
+                      <a:solidFill>
+                        <a:schemeClr val="tx1"/>
+                      </a:solidFill>
+                      <a:prstDash val="sysDot"/>
+                      <a:round/>
+                      <a:headEnd type="none" w="med" len="med"/>
+                      <a:tailEnd type="none" w="med" len="med"/>
+                    </a:lnL>
+                    <a:lnR w="12700" cap="flat" cmpd="sng" algn="ctr">
+                      <a:solidFill>
+                        <a:schemeClr val="tx1"/>
+                      </a:solidFill>
+                      <a:prstDash val="sysDot"/>
+                      <a:round/>
+                      <a:headEnd type="none" w="med" len="med"/>
+                      <a:tailEnd type="none" w="med" len="med"/>
+                    </a:lnR>
+                    <a:lnT w="12700" cap="flat" cmpd="sng" algn="ctr">
+                      <a:solidFill>
+                        <a:schemeClr val="tx1"/>
+                      </a:solidFill>
+                      <a:prstDash val="sysDot"/>
+                      <a:round/>
+                      <a:headEnd type="none" w="med" len="med"/>
+                      <a:tailEnd type="none" w="med" len="med"/>
+                    </a:lnT>
+                    <a:lnB w="12700" cap="flat" cmpd="sng" algn="ctr">
+                      <a:solidFill>
+                        <a:schemeClr val="tx1"/>
+                      </a:solidFill>
+                      <a:prstDash val="sysDot"/>
+                      <a:round/>
+                      <a:headEnd type="none" w="med" len="med"/>
+                      <a:tailEnd type="none" w="med" len="med"/>
+                    </a:lnB>
+                  </a:tcPr>
+                </a:tc>
+                <a:tc>
+                  <a:txBody>
+                    <a:bodyPr/>
+                    <a:lstStyle/>
+                    <a:p>
+                      <a:pPr latinLnBrk="1"/>
+                      <a:endParaRPr lang="ko-KR" altLang="en-US" sz="1600" b="1" dirty="0"/>
+                    </a:p>
+                  </a:txBody>
+                  <a:tcPr>
+                    <a:lnL w="12700" cap="flat" cmpd="sng" algn="ctr">
+                      <a:solidFill>
+                        <a:schemeClr val="tx1"/>
+                      </a:solidFill>
+                      <a:prstDash val="sysDot"/>
+                      <a:round/>
+                      <a:headEnd type="none" w="med" len="med"/>
+                      <a:tailEnd type="none" w="med" len="med"/>
+                    </a:lnL>
+                    <a:lnR w="12700" cap="flat" cmpd="sng" algn="ctr">
+                      <a:solidFill>
+                        <a:schemeClr val="tx1"/>
+                      </a:solidFill>
+                      <a:prstDash val="sysDot"/>
+                      <a:round/>
+                      <a:headEnd type="none" w="med" len="med"/>
+                      <a:tailEnd type="none" w="med" len="med"/>
+                    </a:lnR>
+                    <a:lnT w="12700" cap="flat" cmpd="sng" algn="ctr">
+                      <a:solidFill>
+                        <a:schemeClr val="tx1"/>
+                      </a:solidFill>
+                      <a:prstDash val="sysDot"/>
+                      <a:round/>
+                      <a:headEnd type="none" w="med" len="med"/>
+                      <a:tailEnd type="none" w="med" len="med"/>
+                    </a:lnT>
+                    <a:lnB w="12700" cap="flat" cmpd="sng" algn="ctr">
+                      <a:solidFill>
+                        <a:schemeClr val="tx1"/>
+                      </a:solidFill>
+                      <a:prstDash val="sysDot"/>
+                      <a:round/>
+                      <a:headEnd type="none" w="med" len="med"/>
+                      <a:tailEnd type="none" w="med" len="med"/>
+                    </a:lnB>
+                  </a:tcPr>
+                </a:tc>
+                <a:tc>
+                  <a:txBody>
+                    <a:bodyPr/>
+                    <a:lstStyle/>
+                    <a:p>
+                      <a:pPr latinLnBrk="1"/>
+                      <a:endParaRPr lang="ko-KR" altLang="en-US" sz="1600" b="1" dirty="0"/>
+                    </a:p>
+                  </a:txBody>
+                  <a:tcPr>
+                    <a:lnL w="12700" cap="flat" cmpd="sng" algn="ctr">
+                      <a:solidFill>
+                        <a:schemeClr val="tx1"/>
+                      </a:solidFill>
+                      <a:prstDash val="sysDot"/>
+                      <a:round/>
+                      <a:headEnd type="none" w="med" len="med"/>
+                      <a:tailEnd type="none" w="med" len="med"/>
+                    </a:lnL>
+                    <a:lnR w="12700" cap="flat" cmpd="sng" algn="ctr">
+                      <a:solidFill>
+                        <a:schemeClr val="tx1"/>
+                      </a:solidFill>
+                      <a:prstDash val="sysDot"/>
+                      <a:round/>
+                      <a:headEnd type="none" w="med" len="med"/>
+                      <a:tailEnd type="none" w="med" len="med"/>
+                    </a:lnR>
+                    <a:lnT w="12700" cap="flat" cmpd="sng" algn="ctr">
+                      <a:solidFill>
+                        <a:schemeClr val="tx1"/>
+                      </a:solidFill>
+                      <a:prstDash val="sysDot"/>
+                      <a:round/>
+                      <a:headEnd type="none" w="med" len="med"/>
+                      <a:tailEnd type="none" w="med" len="med"/>
+                    </a:lnT>
+                    <a:lnB w="12700" cap="flat" cmpd="sng" algn="ctr">
+                      <a:solidFill>
+                        <a:schemeClr val="tx1"/>
+                      </a:solidFill>
+                      <a:prstDash val="sysDot"/>
+                      <a:round/>
+                      <a:headEnd type="none" w="med" len="med"/>
+                      <a:tailEnd type="none" w="med" len="med"/>
+                    </a:lnB>
+                  </a:tcPr>
+                </a:tc>
+                <a:tc>
+                  <a:txBody>
+                    <a:bodyPr/>
+                    <a:lstStyle/>
+                    <a:p>
+                      <a:pPr latinLnBrk="1"/>
+                      <a:endParaRPr lang="ko-KR" altLang="en-US" sz="1600" b="1" dirty="0"/>
+                    </a:p>
+                  </a:txBody>
+                  <a:tcPr>
+                    <a:lnL w="12700" cap="flat" cmpd="sng" algn="ctr">
+                      <a:solidFill>
+                        <a:schemeClr val="tx1"/>
+                      </a:solidFill>
+                      <a:prstDash val="sysDot"/>
+                      <a:round/>
+                      <a:headEnd type="none" w="med" len="med"/>
+                      <a:tailEnd type="none" w="med" len="med"/>
+                    </a:lnL>
+                    <a:lnR w="12700" cap="flat" cmpd="sng" algn="ctr">
+                      <a:solidFill>
+                        <a:schemeClr val="tx1"/>
+                      </a:solidFill>
+                      <a:prstDash val="sysDot"/>
+                      <a:round/>
+                      <a:headEnd type="none" w="med" len="med"/>
+                      <a:tailEnd type="none" w="med" len="med"/>
+                    </a:lnR>
+                    <a:lnT w="12700" cap="flat" cmpd="sng" algn="ctr">
+                      <a:solidFill>
+                        <a:schemeClr val="tx1"/>
+                      </a:solidFill>
+                      <a:prstDash val="sysDot"/>
+                      <a:round/>
+                      <a:headEnd type="none" w="med" len="med"/>
+                      <a:tailEnd type="none" w="med" len="med"/>
+                    </a:lnT>
+                    <a:lnB w="12700" cap="flat" cmpd="sng" algn="ctr">
+                      <a:solidFill>
+                        <a:schemeClr val="tx1"/>
+                      </a:solidFill>
+                      <a:prstDash val="sysDot"/>
+                      <a:round/>
+                      <a:headEnd type="none" w="med" len="med"/>
+                      <a:tailEnd type="none" w="med" len="med"/>
+                    </a:lnB>
+                  </a:tcPr>
+                </a:tc>
+                <a:tc>
+                  <a:txBody>
+                    <a:bodyPr/>
+                    <a:lstStyle/>
+                    <a:p>
+                      <a:pPr latinLnBrk="1"/>
+                      <a:endParaRPr lang="ko-KR" altLang="en-US" sz="1600" b="1" dirty="0"/>
+                    </a:p>
+                  </a:txBody>
+                  <a:tcPr>
+                    <a:lnL w="12700" cap="flat" cmpd="sng" algn="ctr">
+                      <a:solidFill>
+                        <a:schemeClr val="tx1"/>
+                      </a:solidFill>
+                      <a:prstDash val="sysDot"/>
+                      <a:round/>
+                      <a:headEnd type="none" w="med" len="med"/>
+                      <a:tailEnd type="none" w="med" len="med"/>
+                    </a:lnL>
+                    <a:lnR w="12700" cap="flat" cmpd="sng" algn="ctr">
+                      <a:solidFill>
+                        <a:schemeClr val="tx1"/>
+                      </a:solidFill>
+                      <a:prstDash val="sysDot"/>
+                      <a:round/>
+                      <a:headEnd type="none" w="med" len="med"/>
+                      <a:tailEnd type="none" w="med" len="med"/>
+                    </a:lnR>
+                    <a:lnT w="12700" cap="flat" cmpd="sng" algn="ctr">
+                      <a:solidFill>
+                        <a:schemeClr val="tx1"/>
+                      </a:solidFill>
+                      <a:prstDash val="sysDot"/>
+                      <a:round/>
+                      <a:headEnd type="none" w="med" len="med"/>
+                      <a:tailEnd type="none" w="med" len="med"/>
+                    </a:lnT>
+                    <a:lnB w="12700" cap="flat" cmpd="sng" algn="ctr">
+                      <a:solidFill>
+                        <a:schemeClr val="tx1"/>
+                      </a:solidFill>
+                      <a:prstDash val="sysDot"/>
+                      <a:round/>
+                      <a:headEnd type="none" w="med" len="med"/>
+                      <a:tailEnd type="none" w="med" len="med"/>
+                    </a:lnB>
+                  </a:tcPr>
+                </a:tc>
+                <a:tc>
+                  <a:txBody>
+                    <a:bodyPr/>
+                    <a:lstStyle/>
+                    <a:p>
+                      <a:pPr latinLnBrk="1"/>
+                      <a:endParaRPr lang="ko-KR" altLang="en-US" sz="1600" b="1" dirty="0"/>
+                    </a:p>
+                  </a:txBody>
+                  <a:tcPr>
+                    <a:lnL w="12700" cap="flat" cmpd="sng" algn="ctr">
+                      <a:solidFill>
+                        <a:schemeClr val="tx1"/>
+                      </a:solidFill>
+                      <a:prstDash val="sysDot"/>
+                      <a:round/>
+                      <a:headEnd type="none" w="med" len="med"/>
+                      <a:tailEnd type="none" w="med" len="med"/>
+                    </a:lnL>
+                    <a:lnR w="12700" cap="flat" cmpd="sng" algn="ctr">
+                      <a:solidFill>
+                        <a:schemeClr val="tx1"/>
+                      </a:solidFill>
+                      <a:prstDash val="sysDot"/>
+                      <a:round/>
+                      <a:headEnd type="none" w="med" len="med"/>
+                      <a:tailEnd type="none" w="med" len="med"/>
+                    </a:lnR>
+                    <a:lnT w="12700" cap="flat" cmpd="sng" algn="ctr">
+                      <a:solidFill>
+                        <a:schemeClr val="tx1"/>
+                      </a:solidFill>
+                      <a:prstDash val="sysDot"/>
+                      <a:round/>
+                      <a:headEnd type="none" w="med" len="med"/>
+                      <a:tailEnd type="none" w="med" len="med"/>
+                    </a:lnT>
+                    <a:lnB w="12700" cap="flat" cmpd="sng" algn="ctr">
+                      <a:solidFill>
+                        <a:schemeClr val="tx1"/>
+                      </a:solidFill>
+                      <a:prstDash val="sysDot"/>
+                      <a:round/>
+                      <a:headEnd type="none" w="med" len="med"/>
+                      <a:tailEnd type="none" w="med" len="med"/>
+                    </a:lnB>
+                  </a:tcPr>
+                </a:tc>
+                <a:tc>
+                  <a:txBody>
+                    <a:bodyPr/>
+                    <a:lstStyle/>
+                    <a:p>
+                      <a:pPr latinLnBrk="1"/>
+                      <a:endParaRPr lang="ko-KR" altLang="en-US" sz="1600" b="1" dirty="0"/>
+                    </a:p>
+                  </a:txBody>
+                  <a:tcPr>
+                    <a:lnL w="12700" cap="flat" cmpd="sng" algn="ctr">
+                      <a:solidFill>
+                        <a:schemeClr val="tx1"/>
+                      </a:solidFill>
+                      <a:prstDash val="sysDot"/>
+                      <a:round/>
+                      <a:headEnd type="none" w="med" len="med"/>
+                      <a:tailEnd type="none" w="med" len="med"/>
+                    </a:lnL>
+                    <a:lnR w="12700" cap="flat" cmpd="sng" algn="ctr">
+                      <a:solidFill>
+                        <a:schemeClr val="tx1"/>
+                      </a:solidFill>
+                      <a:prstDash val="sysDot"/>
+                      <a:round/>
+                      <a:headEnd type="none" w="med" len="med"/>
+                      <a:tailEnd type="none" w="med" len="med"/>
+                    </a:lnR>
+                    <a:lnT w="12700" cap="flat" cmpd="sng" algn="ctr">
+                      <a:solidFill>
+                        <a:schemeClr val="tx1"/>
+                      </a:solidFill>
+                      <a:prstDash val="sysDot"/>
+                      <a:round/>
+                      <a:headEnd type="none" w="med" len="med"/>
+                      <a:tailEnd type="none" w="med" len="med"/>
+                    </a:lnT>
+                    <a:lnB w="12700" cap="flat" cmpd="sng" algn="ctr">
+                      <a:solidFill>
+                        <a:schemeClr val="tx1"/>
+                      </a:solidFill>
+                      <a:prstDash val="sysDot"/>
+                      <a:round/>
+                      <a:headEnd type="none" w="med" len="med"/>
+                      <a:tailEnd type="none" w="med" len="med"/>
+                    </a:lnB>
+                  </a:tcPr>
+                </a:tc>
+              </a:tr>
+            </a:tbl>
+          </a:graphicData>
+        </a:graphic>
+      </p:graphicFrame>
+      <p:pic>
+        <p:nvPicPr>
+          <p:cNvPr id="21" name="图片 20"/>
+          <p:cNvPicPr>
+            <a:picLocks noChangeAspect="1"/>
+          </p:cNvPicPr>
+          <p:nvPr/>
+        </p:nvPicPr>
+        <p:blipFill>
+          <a:blip r:embed="rId2"/>
+          <a:stretch>
+            <a:fillRect/>
+          </a:stretch>
+        </p:blipFill>
+        <p:spPr>
+          <a:xfrm>
+            <a:off x="188464" y="222226"/>
+            <a:ext cx="11815072" cy="6413548"/>
+          </a:xfrm>
+          <a:prstGeom prst="rect">
+            <a:avLst/>
+          </a:prstGeom>
+        </p:spPr>
+      </p:pic>
+    </p:spTree>
+    <p:extLst>
+      <p:ext uri="{BB962C8B-B14F-4D97-AF65-F5344CB8AC3E}">
+        <p14:creationId xmlns:p14="http://schemas.microsoft.com/office/powerpoint/2010/main" val="2788334239"/>
+      </p:ext>
+    </p:extLst>
+  </p:cSld>
+  <p:clrMapOvr>
+    <a:masterClrMapping/>
+  </p:clrMapOvr>
+  <p:timing>
+    <p:tnLst>
+      <p:par>
+        <p:cTn id="1" dur="indefinite" restart="never" nodeType="tmRoot"/>
+      </p:par>
+    </p:tnLst>
+  </p:timing>
 </p:sld>
 </file>
 
